--- a/PDS_overview_Apr2019.pptx
+++ b/PDS_overview_Apr2019.pptx
@@ -4,10 +4,16 @@
   <p:sldMasterIdLst>
     <p:sldMasterId id="2147483648" r:id="rId1"/>
   </p:sldMasterIdLst>
+  <p:notesMasterIdLst>
+    <p:notesMasterId r:id="rId8"/>
+  </p:notesMasterIdLst>
   <p:sldIdLst>
     <p:sldId id="256" r:id="rId2"/>
     <p:sldId id="258" r:id="rId3"/>
-    <p:sldId id="257" r:id="rId4"/>
+    <p:sldId id="260" r:id="rId4"/>
+    <p:sldId id="262" r:id="rId5"/>
+    <p:sldId id="257" r:id="rId6"/>
+    <p:sldId id="263" r:id="rId7"/>
   </p:sldIdLst>
   <p:sldSz cx="12192000" cy="6858000"/>
   <p:notesSz cx="6858000" cy="9144000"/>
@@ -106,7 +112,361 @@
       </a:defRPr>
     </a:lvl9pPr>
   </p:defaultTextStyle>
+  <p:extLst>
+    <p:ext uri="{EFAFB233-063F-42B5-8137-9DF3F51BA10A}">
+      <p15:sldGuideLst xmlns:p15="http://schemas.microsoft.com/office/powerpoint/2012/main"/>
+    </p:ext>
+  </p:extLst>
 </p:presentation>
+</file>
+
+<file path=ppt/notesMasters/notesMaster1.xml><?xml version="1.0" encoding="utf-8"?>
+<p:notesMaster xmlns:a="http://schemas.openxmlformats.org/drawingml/2006/main" xmlns:r="http://schemas.openxmlformats.org/officeDocument/2006/relationships" xmlns:p="http://schemas.openxmlformats.org/presentationml/2006/main">
+  <p:cSld>
+    <p:bg>
+      <p:bgRef idx="1001">
+        <a:schemeClr val="bg1"/>
+      </p:bgRef>
+    </p:bg>
+    <p:spTree>
+      <p:nvGrpSpPr>
+        <p:cNvPr id="1" name=""/>
+        <p:cNvGrpSpPr/>
+        <p:nvPr/>
+      </p:nvGrpSpPr>
+      <p:grpSpPr>
+        <a:xfrm>
+          <a:off x="0" y="0"/>
+          <a:ext cx="0" cy="0"/>
+          <a:chOff x="0" y="0"/>
+          <a:chExt cx="0" cy="0"/>
+        </a:xfrm>
+      </p:grpSpPr>
+      <p:sp>
+        <p:nvSpPr>
+          <p:cNvPr id="2" name="Header Placeholder 1"/>
+          <p:cNvSpPr>
+            <a:spLocks noGrp="1"/>
+          </p:cNvSpPr>
+          <p:nvPr>
+            <p:ph type="hdr" sz="quarter"/>
+          </p:nvPr>
+        </p:nvSpPr>
+        <p:spPr>
+          <a:xfrm>
+            <a:off x="0" y="0"/>
+            <a:ext cx="2971800" cy="458788"/>
+          </a:xfrm>
+          <a:prstGeom prst="rect">
+            <a:avLst/>
+          </a:prstGeom>
+        </p:spPr>
+        <p:txBody>
+          <a:bodyPr vert="horz" lIns="91440" tIns="45720" rIns="91440" bIns="45720" rtlCol="0"/>
+          <a:lstStyle>
+            <a:lvl1pPr algn="l">
+              <a:defRPr sz="1200"/>
+            </a:lvl1pPr>
+          </a:lstStyle>
+          <a:p>
+            <a:endParaRPr lang="en-US"/>
+          </a:p>
+        </p:txBody>
+      </p:sp>
+      <p:sp>
+        <p:nvSpPr>
+          <p:cNvPr id="3" name="Date Placeholder 2"/>
+          <p:cNvSpPr>
+            <a:spLocks noGrp="1"/>
+          </p:cNvSpPr>
+          <p:nvPr>
+            <p:ph type="dt" idx="1"/>
+          </p:nvPr>
+        </p:nvSpPr>
+        <p:spPr>
+          <a:xfrm>
+            <a:off x="3884613" y="0"/>
+            <a:ext cx="2971800" cy="458788"/>
+          </a:xfrm>
+          <a:prstGeom prst="rect">
+            <a:avLst/>
+          </a:prstGeom>
+        </p:spPr>
+        <p:txBody>
+          <a:bodyPr vert="horz" lIns="91440" tIns="45720" rIns="91440" bIns="45720" rtlCol="0"/>
+          <a:lstStyle>
+            <a:lvl1pPr algn="r">
+              <a:defRPr sz="1200"/>
+            </a:lvl1pPr>
+          </a:lstStyle>
+          <a:p>
+            <a:fld id="{B4D7D114-D5AF-4152-B56D-34E3DF8C7D68}" type="datetimeFigureOut">
+              <a:rPr lang="en-US" smtClean="0"/>
+              <a:t>4/26/2019</a:t>
+            </a:fld>
+            <a:endParaRPr lang="en-US"/>
+          </a:p>
+        </p:txBody>
+      </p:sp>
+      <p:sp>
+        <p:nvSpPr>
+          <p:cNvPr id="4" name="Slide Image Placeholder 3"/>
+          <p:cNvSpPr>
+            <a:spLocks noGrp="1" noRot="1" noChangeAspect="1"/>
+          </p:cNvSpPr>
+          <p:nvPr>
+            <p:ph type="sldImg" idx="2"/>
+          </p:nvPr>
+        </p:nvSpPr>
+        <p:spPr>
+          <a:xfrm>
+            <a:off x="685800" y="1143000"/>
+            <a:ext cx="5486400" cy="3086100"/>
+          </a:xfrm>
+          <a:prstGeom prst="rect">
+            <a:avLst/>
+          </a:prstGeom>
+          <a:noFill/>
+          <a:ln w="12700">
+            <a:solidFill>
+              <a:prstClr val="black"/>
+            </a:solidFill>
+          </a:ln>
+        </p:spPr>
+        <p:txBody>
+          <a:bodyPr vert="horz" lIns="91440" tIns="45720" rIns="91440" bIns="45720" rtlCol="0" anchor="ctr"/>
+          <a:lstStyle/>
+          <a:p>
+            <a:endParaRPr lang="en-US"/>
+          </a:p>
+        </p:txBody>
+      </p:sp>
+      <p:sp>
+        <p:nvSpPr>
+          <p:cNvPr id="5" name="Notes Placeholder 4"/>
+          <p:cNvSpPr>
+            <a:spLocks noGrp="1"/>
+          </p:cNvSpPr>
+          <p:nvPr>
+            <p:ph type="body" sz="quarter" idx="3"/>
+          </p:nvPr>
+        </p:nvSpPr>
+        <p:spPr>
+          <a:xfrm>
+            <a:off x="685800" y="4400550"/>
+            <a:ext cx="5486400" cy="3600450"/>
+          </a:xfrm>
+          <a:prstGeom prst="rect">
+            <a:avLst/>
+          </a:prstGeom>
+        </p:spPr>
+        <p:txBody>
+          <a:bodyPr vert="horz" lIns="91440" tIns="45720" rIns="91440" bIns="45720" rtlCol="0"/>
+          <a:lstStyle/>
+          <a:p>
+            <a:pPr lvl="0"/>
+            <a:r>
+              <a:rPr lang="en-US"/>
+              <a:t>Edit Master text styles</a:t>
+            </a:r>
+          </a:p>
+          <a:p>
+            <a:pPr lvl="1"/>
+            <a:r>
+              <a:rPr lang="en-US"/>
+              <a:t>Second level</a:t>
+            </a:r>
+          </a:p>
+          <a:p>
+            <a:pPr lvl="2"/>
+            <a:r>
+              <a:rPr lang="en-US"/>
+              <a:t>Third level</a:t>
+            </a:r>
+          </a:p>
+          <a:p>
+            <a:pPr lvl="3"/>
+            <a:r>
+              <a:rPr lang="en-US"/>
+              <a:t>Fourth level</a:t>
+            </a:r>
+          </a:p>
+          <a:p>
+            <a:pPr lvl="4"/>
+            <a:r>
+              <a:rPr lang="en-US"/>
+              <a:t>Fifth level</a:t>
+            </a:r>
+          </a:p>
+        </p:txBody>
+      </p:sp>
+      <p:sp>
+        <p:nvSpPr>
+          <p:cNvPr id="6" name="Footer Placeholder 5"/>
+          <p:cNvSpPr>
+            <a:spLocks noGrp="1"/>
+          </p:cNvSpPr>
+          <p:nvPr>
+            <p:ph type="ftr" sz="quarter" idx="4"/>
+          </p:nvPr>
+        </p:nvSpPr>
+        <p:spPr>
+          <a:xfrm>
+            <a:off x="0" y="8685213"/>
+            <a:ext cx="2971800" cy="458787"/>
+          </a:xfrm>
+          <a:prstGeom prst="rect">
+            <a:avLst/>
+          </a:prstGeom>
+        </p:spPr>
+        <p:txBody>
+          <a:bodyPr vert="horz" lIns="91440" tIns="45720" rIns="91440" bIns="45720" rtlCol="0" anchor="b"/>
+          <a:lstStyle>
+            <a:lvl1pPr algn="l">
+              <a:defRPr sz="1200"/>
+            </a:lvl1pPr>
+          </a:lstStyle>
+          <a:p>
+            <a:endParaRPr lang="en-US"/>
+          </a:p>
+        </p:txBody>
+      </p:sp>
+      <p:sp>
+        <p:nvSpPr>
+          <p:cNvPr id="7" name="Slide Number Placeholder 6"/>
+          <p:cNvSpPr>
+            <a:spLocks noGrp="1"/>
+          </p:cNvSpPr>
+          <p:nvPr>
+            <p:ph type="sldNum" sz="quarter" idx="5"/>
+          </p:nvPr>
+        </p:nvSpPr>
+        <p:spPr>
+          <a:xfrm>
+            <a:off x="3884613" y="8685213"/>
+            <a:ext cx="2971800" cy="458787"/>
+          </a:xfrm>
+          <a:prstGeom prst="rect">
+            <a:avLst/>
+          </a:prstGeom>
+        </p:spPr>
+        <p:txBody>
+          <a:bodyPr vert="horz" lIns="91440" tIns="45720" rIns="91440" bIns="45720" rtlCol="0" anchor="b"/>
+          <a:lstStyle>
+            <a:lvl1pPr algn="r">
+              <a:defRPr sz="1200"/>
+            </a:lvl1pPr>
+          </a:lstStyle>
+          <a:p>
+            <a:fld id="{87118076-71B5-48BD-86E9-A5AD4F23C422}" type="slidenum">
+              <a:rPr lang="en-US" smtClean="0"/>
+              <a:t>‹#›</a:t>
+            </a:fld>
+            <a:endParaRPr lang="en-US"/>
+          </a:p>
+        </p:txBody>
+      </p:sp>
+    </p:spTree>
+    <p:extLst>
+      <p:ext uri="{BB962C8B-B14F-4D97-AF65-F5344CB8AC3E}">
+        <p14:creationId xmlns:p14="http://schemas.microsoft.com/office/powerpoint/2010/main" val="1488428080"/>
+      </p:ext>
+    </p:extLst>
+  </p:cSld>
+  <p:clrMap bg1="lt1" tx1="dk1" bg2="lt2" tx2="dk2" accent1="accent1" accent2="accent2" accent3="accent3" accent4="accent4" accent5="accent5" accent6="accent6" hlink="hlink" folHlink="folHlink"/>
+  <p:notesStyle>
+    <a:lvl1pPr marL="0" algn="l" defTabSz="914400" rtl="0" eaLnBrk="1" latinLnBrk="0" hangingPunct="1">
+      <a:defRPr sz="1200" kern="1200">
+        <a:solidFill>
+          <a:schemeClr val="tx1"/>
+        </a:solidFill>
+        <a:latin typeface="+mn-lt"/>
+        <a:ea typeface="+mn-ea"/>
+        <a:cs typeface="+mn-cs"/>
+      </a:defRPr>
+    </a:lvl1pPr>
+    <a:lvl2pPr marL="457200" algn="l" defTabSz="914400" rtl="0" eaLnBrk="1" latinLnBrk="0" hangingPunct="1">
+      <a:defRPr sz="1200" kern="1200">
+        <a:solidFill>
+          <a:schemeClr val="tx1"/>
+        </a:solidFill>
+        <a:latin typeface="+mn-lt"/>
+        <a:ea typeface="+mn-ea"/>
+        <a:cs typeface="+mn-cs"/>
+      </a:defRPr>
+    </a:lvl2pPr>
+    <a:lvl3pPr marL="914400" algn="l" defTabSz="914400" rtl="0" eaLnBrk="1" latinLnBrk="0" hangingPunct="1">
+      <a:defRPr sz="1200" kern="1200">
+        <a:solidFill>
+          <a:schemeClr val="tx1"/>
+        </a:solidFill>
+        <a:latin typeface="+mn-lt"/>
+        <a:ea typeface="+mn-ea"/>
+        <a:cs typeface="+mn-cs"/>
+      </a:defRPr>
+    </a:lvl3pPr>
+    <a:lvl4pPr marL="1371600" algn="l" defTabSz="914400" rtl="0" eaLnBrk="1" latinLnBrk="0" hangingPunct="1">
+      <a:defRPr sz="1200" kern="1200">
+        <a:solidFill>
+          <a:schemeClr val="tx1"/>
+        </a:solidFill>
+        <a:latin typeface="+mn-lt"/>
+        <a:ea typeface="+mn-ea"/>
+        <a:cs typeface="+mn-cs"/>
+      </a:defRPr>
+    </a:lvl4pPr>
+    <a:lvl5pPr marL="1828800" algn="l" defTabSz="914400" rtl="0" eaLnBrk="1" latinLnBrk="0" hangingPunct="1">
+      <a:defRPr sz="1200" kern="1200">
+        <a:solidFill>
+          <a:schemeClr val="tx1"/>
+        </a:solidFill>
+        <a:latin typeface="+mn-lt"/>
+        <a:ea typeface="+mn-ea"/>
+        <a:cs typeface="+mn-cs"/>
+      </a:defRPr>
+    </a:lvl5pPr>
+    <a:lvl6pPr marL="2286000" algn="l" defTabSz="914400" rtl="0" eaLnBrk="1" latinLnBrk="0" hangingPunct="1">
+      <a:defRPr sz="1200" kern="1200">
+        <a:solidFill>
+          <a:schemeClr val="tx1"/>
+        </a:solidFill>
+        <a:latin typeface="+mn-lt"/>
+        <a:ea typeface="+mn-ea"/>
+        <a:cs typeface="+mn-cs"/>
+      </a:defRPr>
+    </a:lvl6pPr>
+    <a:lvl7pPr marL="2743200" algn="l" defTabSz="914400" rtl="0" eaLnBrk="1" latinLnBrk="0" hangingPunct="1">
+      <a:defRPr sz="1200" kern="1200">
+        <a:solidFill>
+          <a:schemeClr val="tx1"/>
+        </a:solidFill>
+        <a:latin typeface="+mn-lt"/>
+        <a:ea typeface="+mn-ea"/>
+        <a:cs typeface="+mn-cs"/>
+      </a:defRPr>
+    </a:lvl7pPr>
+    <a:lvl8pPr marL="3200400" algn="l" defTabSz="914400" rtl="0" eaLnBrk="1" latinLnBrk="0" hangingPunct="1">
+      <a:defRPr sz="1200" kern="1200">
+        <a:solidFill>
+          <a:schemeClr val="tx1"/>
+        </a:solidFill>
+        <a:latin typeface="+mn-lt"/>
+        <a:ea typeface="+mn-ea"/>
+        <a:cs typeface="+mn-cs"/>
+      </a:defRPr>
+    </a:lvl8pPr>
+    <a:lvl9pPr marL="3657600" algn="l" defTabSz="914400" rtl="0" eaLnBrk="1" latinLnBrk="0" hangingPunct="1">
+      <a:defRPr sz="1200" kern="1200">
+        <a:solidFill>
+          <a:schemeClr val="tx1"/>
+        </a:solidFill>
+        <a:latin typeface="+mn-lt"/>
+        <a:ea typeface="+mn-ea"/>
+        <a:cs typeface="+mn-cs"/>
+      </a:defRPr>
+    </a:lvl9pPr>
+  </p:notesStyle>
+</p:notesMaster>
 </file>
 
 <file path=ppt/slideLayouts/slideLayout1.xml><?xml version="1.0" encoding="utf-8"?>
@@ -256,7 +616,7 @@
           <a:p>
             <a:fld id="{CEA1657A-DF61-41B3-BBE0-C27FDE1710B4}" type="datetimeFigureOut">
               <a:rPr lang="en-US" smtClean="0"/>
-              <a:t>4/24/2019</a:t>
+              <a:t>4/26/2019</a:t>
             </a:fld>
             <a:endParaRPr lang="en-US"/>
           </a:p>
@@ -454,7 +814,7 @@
           <a:p>
             <a:fld id="{CEA1657A-DF61-41B3-BBE0-C27FDE1710B4}" type="datetimeFigureOut">
               <a:rPr lang="en-US" smtClean="0"/>
-              <a:t>4/24/2019</a:t>
+              <a:t>4/26/2019</a:t>
             </a:fld>
             <a:endParaRPr lang="en-US"/>
           </a:p>
@@ -662,7 +1022,7 @@
           <a:p>
             <a:fld id="{CEA1657A-DF61-41B3-BBE0-C27FDE1710B4}" type="datetimeFigureOut">
               <a:rPr lang="en-US" smtClean="0"/>
-              <a:t>4/24/2019</a:t>
+              <a:t>4/26/2019</a:t>
             </a:fld>
             <a:endParaRPr lang="en-US"/>
           </a:p>
@@ -860,7 +1220,7 @@
           <a:p>
             <a:fld id="{CEA1657A-DF61-41B3-BBE0-C27FDE1710B4}" type="datetimeFigureOut">
               <a:rPr lang="en-US" smtClean="0"/>
-              <a:t>4/24/2019</a:t>
+              <a:t>4/26/2019</a:t>
             </a:fld>
             <a:endParaRPr lang="en-US"/>
           </a:p>
@@ -1135,7 +1495,7 @@
           <a:p>
             <a:fld id="{CEA1657A-DF61-41B3-BBE0-C27FDE1710B4}" type="datetimeFigureOut">
               <a:rPr lang="en-US" smtClean="0"/>
-              <a:t>4/24/2019</a:t>
+              <a:t>4/26/2019</a:t>
             </a:fld>
             <a:endParaRPr lang="en-US"/>
           </a:p>
@@ -1400,7 +1760,7 @@
           <a:p>
             <a:fld id="{CEA1657A-DF61-41B3-BBE0-C27FDE1710B4}" type="datetimeFigureOut">
               <a:rPr lang="en-US" smtClean="0"/>
-              <a:t>4/24/2019</a:t>
+              <a:t>4/26/2019</a:t>
             </a:fld>
             <a:endParaRPr lang="en-US"/>
           </a:p>
@@ -1812,7 +2172,7 @@
           <a:p>
             <a:fld id="{CEA1657A-DF61-41B3-BBE0-C27FDE1710B4}" type="datetimeFigureOut">
               <a:rPr lang="en-US" smtClean="0"/>
-              <a:t>4/24/2019</a:t>
+              <a:t>4/26/2019</a:t>
             </a:fld>
             <a:endParaRPr lang="en-US"/>
           </a:p>
@@ -1953,7 +2313,7 @@
           <a:p>
             <a:fld id="{CEA1657A-DF61-41B3-BBE0-C27FDE1710B4}" type="datetimeFigureOut">
               <a:rPr lang="en-US" smtClean="0"/>
-              <a:t>4/24/2019</a:t>
+              <a:t>4/26/2019</a:t>
             </a:fld>
             <a:endParaRPr lang="en-US"/>
           </a:p>
@@ -2066,7 +2426,7 @@
           <a:p>
             <a:fld id="{CEA1657A-DF61-41B3-BBE0-C27FDE1710B4}" type="datetimeFigureOut">
               <a:rPr lang="en-US" smtClean="0"/>
-              <a:t>4/24/2019</a:t>
+              <a:t>4/26/2019</a:t>
             </a:fld>
             <a:endParaRPr lang="en-US"/>
           </a:p>
@@ -2377,7 +2737,7 @@
           <a:p>
             <a:fld id="{CEA1657A-DF61-41B3-BBE0-C27FDE1710B4}" type="datetimeFigureOut">
               <a:rPr lang="en-US" smtClean="0"/>
-              <a:t>4/24/2019</a:t>
+              <a:t>4/26/2019</a:t>
             </a:fld>
             <a:endParaRPr lang="en-US"/>
           </a:p>
@@ -2665,7 +3025,7 @@
           <a:p>
             <a:fld id="{CEA1657A-DF61-41B3-BBE0-C27FDE1710B4}" type="datetimeFigureOut">
               <a:rPr lang="en-US" smtClean="0"/>
-              <a:t>4/24/2019</a:t>
+              <a:t>4/26/2019</a:t>
             </a:fld>
             <a:endParaRPr lang="en-US"/>
           </a:p>
@@ -2906,7 +3266,7 @@
           <a:p>
             <a:fld id="{CEA1657A-DF61-41B3-BBE0-C27FDE1710B4}" type="datetimeFigureOut">
               <a:rPr lang="en-US" smtClean="0"/>
-              <a:t>4/24/2019</a:t>
+              <a:t>4/26/2019</a:t>
             </a:fld>
             <a:endParaRPr lang="en-US"/>
           </a:p>
@@ -3346,7 +3706,7 @@
           <a:p>
             <a:r>
               <a:rPr lang="en-US" dirty="0"/>
-              <a:t>Procedural</a:t>
+              <a:t>User-friendly Procedural</a:t>
             </a:r>
             <a:r>
               <a:rPr lang="ko-KR" altLang="en-US" dirty="0"/>
@@ -3416,6 +3776,42 @@
           </a:p>
         </p:txBody>
       </p:sp>
+      <p:pic>
+        <p:nvPicPr>
+          <p:cNvPr id="3" name="Picture 2" descr="A close up of a logo&#10;&#10;Description generated with very high confidence">
+            <a:extLst>
+              <a:ext uri="{FF2B5EF4-FFF2-40B4-BE49-F238E27FC236}">
+                <a16:creationId xmlns:a16="http://schemas.microsoft.com/office/drawing/2014/main" id="{1537389F-7D95-4464-90C4-447FAD33F5B4}"/>
+              </a:ext>
+            </a:extLst>
+          </p:cNvPr>
+          <p:cNvPicPr>
+            <a:picLocks noChangeAspect="1"/>
+          </p:cNvPicPr>
+          <p:nvPr/>
+        </p:nvPicPr>
+        <p:blipFill>
+          <a:blip r:embed="rId2">
+            <a:extLst>
+              <a:ext uri="{28A0092B-C50C-407E-A947-70E740481C1C}">
+                <a14:useLocalDpi xmlns:a14="http://schemas.microsoft.com/office/drawing/2010/main" val="0"/>
+              </a:ext>
+            </a:extLst>
+          </a:blip>
+          <a:stretch>
+            <a:fillRect/>
+          </a:stretch>
+        </p:blipFill>
+        <p:spPr>
+          <a:xfrm>
+            <a:off x="3890666" y="5257401"/>
+            <a:ext cx="4410667" cy="956471"/>
+          </a:xfrm>
+          <a:prstGeom prst="rect">
+            <a:avLst/>
+          </a:prstGeom>
+        </p:spPr>
+      </p:pic>
     </p:spTree>
     <p:extLst>
       <p:ext uri="{BB962C8B-B14F-4D97-AF65-F5344CB8AC3E}">
@@ -3474,7 +3870,15 @@
           <a:p>
             <a:r>
               <a:rPr lang="en-US" dirty="0"/>
-              <a:t>Current System</a:t>
+              <a:t>Current </a:t>
+            </a:r>
+            <a:r>
+              <a:rPr lang="en-US" dirty="0" err="1"/>
+              <a:t>PrOE</a:t>
+            </a:r>
+            <a:r>
+              <a:rPr lang="en-US" dirty="0"/>
+              <a:t> System</a:t>
             </a:r>
           </a:p>
         </p:txBody>
@@ -3885,7 +4289,42 @@
             <a:pPr algn="ctr"/>
             <a:r>
               <a:rPr lang="en-US" sz="1400" dirty="0"/>
-              <a:t>2-9 clicks</a:t>
+              <a:t>2-15 clicks</a:t>
+            </a:r>
+          </a:p>
+        </p:txBody>
+      </p:sp>
+      <p:sp>
+        <p:nvSpPr>
+          <p:cNvPr id="4" name="TextBox 3">
+            <a:extLst>
+              <a:ext uri="{FF2B5EF4-FFF2-40B4-BE49-F238E27FC236}">
+                <a16:creationId xmlns:a16="http://schemas.microsoft.com/office/drawing/2014/main" id="{F6F96FBE-C10A-4D80-B2B8-A9EC0F9FAA00}"/>
+              </a:ext>
+            </a:extLst>
+          </p:cNvPr>
+          <p:cNvSpPr txBox="1"/>
+          <p:nvPr/>
+        </p:nvSpPr>
+        <p:spPr>
+          <a:xfrm>
+            <a:off x="838200" y="4487594"/>
+            <a:ext cx="9649517" cy="646331"/>
+          </a:xfrm>
+          <a:prstGeom prst="rect">
+            <a:avLst/>
+          </a:prstGeom>
+          <a:noFill/>
+        </p:spPr>
+        <p:txBody>
+          <a:bodyPr wrap="square" rtlCol="0">
+            <a:spAutoFit/>
+          </a:bodyPr>
+          <a:lstStyle/>
+          <a:p>
+            <a:r>
+              <a:rPr lang="en-US" dirty="0"/>
+              <a:t>A decision compliant with the automatically generated recommendation is exempt from prior authorization for the procedure</a:t>
             </a:r>
           </a:p>
         </p:txBody>
@@ -3925,7 +4364,7 @@
           <p:cNvPr id="2" name="Title 1">
             <a:extLst>
               <a:ext uri="{FF2B5EF4-FFF2-40B4-BE49-F238E27FC236}">
-                <a16:creationId xmlns:a16="http://schemas.microsoft.com/office/drawing/2014/main" id="{8F691A65-E64D-4BB5-B811-FC614C75A9F4}"/>
+                <a16:creationId xmlns:a16="http://schemas.microsoft.com/office/drawing/2014/main" id="{B266054D-C453-42FE-833A-1C675A03D00F}"/>
               </a:ext>
             </a:extLst>
           </p:cNvPr>
@@ -3943,430 +4382,131 @@
           <a:p>
             <a:r>
               <a:rPr lang="en-US" dirty="0"/>
-              <a:t>New System</a:t>
-            </a:r>
-          </a:p>
-        </p:txBody>
-      </p:sp>
-      <p:sp>
-        <p:nvSpPr>
-          <p:cNvPr id="4" name="Rectangle: Rounded Corners 3">
-            <a:extLst>
-              <a:ext uri="{FF2B5EF4-FFF2-40B4-BE49-F238E27FC236}">
-                <a16:creationId xmlns:a16="http://schemas.microsoft.com/office/drawing/2014/main" id="{7129C496-6B0A-4980-8AA5-FB180E0C03F5}"/>
-              </a:ext>
-            </a:extLst>
-          </p:cNvPr>
-          <p:cNvSpPr/>
-          <p:nvPr/>
+              <a:t>The Need for a New System</a:t>
+            </a:r>
+          </a:p>
+        </p:txBody>
+      </p:sp>
+      <p:sp>
+        <p:nvSpPr>
+          <p:cNvPr id="3" name="Content Placeholder 2">
+            <a:extLst>
+              <a:ext uri="{FF2B5EF4-FFF2-40B4-BE49-F238E27FC236}">
+                <a16:creationId xmlns:a16="http://schemas.microsoft.com/office/drawing/2014/main" id="{2414176D-8E94-4E34-8852-051D10A4F59F}"/>
+              </a:ext>
+            </a:extLst>
+          </p:cNvPr>
+          <p:cNvSpPr>
+            <a:spLocks noGrp="1"/>
+          </p:cNvSpPr>
+          <p:nvPr>
+            <p:ph idx="1"/>
+          </p:nvPr>
+        </p:nvSpPr>
+        <p:spPr/>
+        <p:txBody>
+          <a:bodyPr/>
+          <a:lstStyle/>
+          <a:p>
+            <a:r>
+              <a:rPr lang="en-US" dirty="0"/>
+              <a:t>Having to click multiple time to go through an evaluation adds burden</a:t>
+            </a:r>
+          </a:p>
+          <a:p>
+            <a:r>
+              <a:rPr lang="en-US" dirty="0"/>
+              <a:t>Current prepopulated fields are not accurate</a:t>
+            </a:r>
+          </a:p>
+          <a:p>
+            <a:endParaRPr lang="en-US" dirty="0"/>
+          </a:p>
+          <a:p>
+            <a:r>
+              <a:rPr lang="en-US" dirty="0"/>
+              <a:t>Natural Language Processing and Artificial Intelligence can be leveraged to make the system easier to use and faster to complete</a:t>
+            </a:r>
+          </a:p>
+        </p:txBody>
+      </p:sp>
+    </p:spTree>
+    <p:extLst>
+      <p:ext uri="{BB962C8B-B14F-4D97-AF65-F5344CB8AC3E}">
+        <p14:creationId xmlns:p14="http://schemas.microsoft.com/office/powerpoint/2010/main" val="2292805127"/>
+      </p:ext>
+    </p:extLst>
+  </p:cSld>
+  <p:clrMapOvr>
+    <a:masterClrMapping/>
+  </p:clrMapOvr>
+</p:sld>
+</file>
+
+<file path=ppt/slides/slide4.xml><?xml version="1.0" encoding="utf-8"?>
+<p:sld xmlns:a="http://schemas.openxmlformats.org/drawingml/2006/main" xmlns:r="http://schemas.openxmlformats.org/officeDocument/2006/relationships" xmlns:p="http://schemas.openxmlformats.org/presentationml/2006/main">
+  <p:cSld>
+    <p:bg>
+      <p:bgPr>
+        <a:solidFill>
+          <a:schemeClr val="bg1">
+            <a:tint val="95000"/>
+            <a:satMod val="170000"/>
+          </a:schemeClr>
+        </a:solidFill>
+        <a:effectLst/>
+      </p:bgPr>
+    </p:bg>
+    <p:spTree>
+      <p:nvGrpSpPr>
+        <p:cNvPr id="1" name=""/>
+        <p:cNvGrpSpPr/>
+        <p:nvPr/>
+      </p:nvGrpSpPr>
+      <p:grpSpPr>
+        <a:xfrm>
+          <a:off x="0" y="0"/>
+          <a:ext cx="0" cy="0"/>
+          <a:chOff x="0" y="0"/>
+          <a:chExt cx="0" cy="0"/>
+        </a:xfrm>
+      </p:grpSpPr>
+      <p:sp>
+        <p:nvSpPr>
+          <p:cNvPr id="21" name="Rectangle 20">
+            <a:extLst>
+              <a:ext uri="{FF2B5EF4-FFF2-40B4-BE49-F238E27FC236}">
+                <a16:creationId xmlns:a16="http://schemas.microsoft.com/office/drawing/2014/main" id="{0EFD753D-6A49-46DD-9E82-AA6E2C62B461}"/>
+              </a:ext>
+              <a:ext uri="{C183D7F6-B498-43B3-948B-1728B52AA6E4}">
+                <adec:decorative xmlns:adec="http://schemas.microsoft.com/office/drawing/2017/decorative" val="1"/>
+              </a:ext>
+            </a:extLst>
+          </p:cNvPr>
+          <p:cNvSpPr>
+            <a:spLocks noGrp="1" noRot="1" noChangeAspect="1" noMove="1" noResize="1" noEditPoints="1" noAdjustHandles="1" noChangeArrowheads="1" noChangeShapeType="1" noTextEdit="1"/>
+          </p:cNvSpPr>
+          <p:nvPr>
+            <p:extLst>
+              <p:ext uri="{386F3935-93C4-4BCD-93E2-E3B085C9AB24}">
+                <p16:designElem xmlns:p16="http://schemas.microsoft.com/office/powerpoint/2015/main" val="1"/>
+              </p:ext>
+            </p:extLst>
+          </p:nvPr>
         </p:nvSpPr>
         <p:spPr>
           <a:xfrm>
-            <a:off x="838200" y="2029522"/>
-            <a:ext cx="1405054" cy="970156"/>
-          </a:xfrm>
-          <a:prstGeom prst="roundRect">
-            <a:avLst/>
-          </a:prstGeom>
-        </p:spPr>
-        <p:style>
-          <a:lnRef idx="2">
-            <a:schemeClr val="accent6"/>
-          </a:lnRef>
-          <a:fillRef idx="1">
-            <a:schemeClr val="lt1"/>
-          </a:fillRef>
-          <a:effectRef idx="0">
-            <a:schemeClr val="accent6"/>
-          </a:effectRef>
-          <a:fontRef idx="minor">
-            <a:schemeClr val="dk1"/>
-          </a:fontRef>
-        </p:style>
-        <p:txBody>
-          <a:bodyPr rtlCol="0" anchor="ctr"/>
-          <a:lstStyle/>
-          <a:p>
-            <a:pPr algn="ctr"/>
-            <a:r>
-              <a:rPr lang="en-US" dirty="0">
-                <a:solidFill>
-                  <a:schemeClr val="tx1"/>
-                </a:solidFill>
-              </a:rPr>
-              <a:t>Enterprise Data Warehouse</a:t>
-            </a:r>
-          </a:p>
-        </p:txBody>
-      </p:sp>
-      <p:sp>
-        <p:nvSpPr>
-          <p:cNvPr id="6" name="Arrow: Right 5">
-            <a:extLst>
-              <a:ext uri="{FF2B5EF4-FFF2-40B4-BE49-F238E27FC236}">
-                <a16:creationId xmlns:a16="http://schemas.microsoft.com/office/drawing/2014/main" id="{D6B3AC63-4EA4-4E5F-850F-997F353C72B0}"/>
-              </a:ext>
-            </a:extLst>
-          </p:cNvPr>
-          <p:cNvSpPr/>
-          <p:nvPr/>
-        </p:nvSpPr>
-        <p:spPr>
-          <a:xfrm>
-            <a:off x="2364058" y="2263698"/>
-            <a:ext cx="1683834" cy="501804"/>
-          </a:xfrm>
-          <a:prstGeom prst="rightArrow">
-            <a:avLst/>
-          </a:prstGeom>
-        </p:spPr>
-        <p:style>
-          <a:lnRef idx="2">
-            <a:schemeClr val="accent5"/>
-          </a:lnRef>
-          <a:fillRef idx="1">
-            <a:schemeClr val="lt1"/>
-          </a:fillRef>
-          <a:effectRef idx="0">
-            <a:schemeClr val="accent5"/>
-          </a:effectRef>
-          <a:fontRef idx="minor">
-            <a:schemeClr val="dk1"/>
-          </a:fontRef>
-        </p:style>
-        <p:txBody>
-          <a:bodyPr rtlCol="0" anchor="ctr"/>
-          <a:lstStyle/>
-          <a:p>
-            <a:pPr algn="ctr"/>
-            <a:r>
-              <a:rPr lang="en-US" dirty="0"/>
-              <a:t>Data Loader</a:t>
-            </a:r>
-          </a:p>
-        </p:txBody>
-      </p:sp>
-      <p:sp>
-        <p:nvSpPr>
-          <p:cNvPr id="7" name="Rectangle: Rounded Corners 6">
-            <a:extLst>
-              <a:ext uri="{FF2B5EF4-FFF2-40B4-BE49-F238E27FC236}">
-                <a16:creationId xmlns:a16="http://schemas.microsoft.com/office/drawing/2014/main" id="{F42A290C-072F-4256-8354-D3B3BAEE2C42}"/>
-              </a:ext>
-            </a:extLst>
-          </p:cNvPr>
-          <p:cNvSpPr/>
-          <p:nvPr/>
-        </p:nvSpPr>
-        <p:spPr>
-          <a:xfrm>
-            <a:off x="4150111" y="2029522"/>
-            <a:ext cx="1405054" cy="970156"/>
-          </a:xfrm>
-          <a:prstGeom prst="roundRect">
-            <a:avLst/>
-          </a:prstGeom>
-        </p:spPr>
-        <p:style>
-          <a:lnRef idx="2">
-            <a:schemeClr val="accent6"/>
-          </a:lnRef>
-          <a:fillRef idx="1">
-            <a:schemeClr val="lt1"/>
-          </a:fillRef>
-          <a:effectRef idx="0">
-            <a:schemeClr val="accent6"/>
-          </a:effectRef>
-          <a:fontRef idx="minor">
-            <a:schemeClr val="dk1"/>
-          </a:fontRef>
-        </p:style>
-        <p:txBody>
-          <a:bodyPr rtlCol="0" anchor="ctr"/>
-          <a:lstStyle/>
-          <a:p>
-            <a:pPr algn="ctr"/>
-            <a:r>
-              <a:rPr lang="en-US" dirty="0">
-                <a:solidFill>
-                  <a:schemeClr val="tx1"/>
-                </a:solidFill>
-              </a:rPr>
-              <a:t>Electronic Health Record</a:t>
-            </a:r>
-          </a:p>
-        </p:txBody>
-      </p:sp>
-      <p:sp>
-        <p:nvSpPr>
-          <p:cNvPr id="8" name="Arrow: Right 7">
-            <a:extLst>
-              <a:ext uri="{FF2B5EF4-FFF2-40B4-BE49-F238E27FC236}">
-                <a16:creationId xmlns:a16="http://schemas.microsoft.com/office/drawing/2014/main" id="{727538CF-368C-4B97-9E21-75E283E97F62}"/>
-              </a:ext>
-            </a:extLst>
-          </p:cNvPr>
-          <p:cNvSpPr/>
-          <p:nvPr/>
-        </p:nvSpPr>
-        <p:spPr>
-          <a:xfrm>
-            <a:off x="5657383" y="2263698"/>
-            <a:ext cx="1981201" cy="501804"/>
-          </a:xfrm>
-          <a:prstGeom prst="rightArrow">
-            <a:avLst/>
-          </a:prstGeom>
-        </p:spPr>
-        <p:style>
-          <a:lnRef idx="2">
-            <a:schemeClr val="accent5"/>
-          </a:lnRef>
-          <a:fillRef idx="1">
-            <a:schemeClr val="lt1"/>
-          </a:fillRef>
-          <a:effectRef idx="0">
-            <a:schemeClr val="accent5"/>
-          </a:effectRef>
-          <a:fontRef idx="minor">
-            <a:schemeClr val="dk1"/>
-          </a:fontRef>
-        </p:style>
-        <p:txBody>
-          <a:bodyPr rtlCol="0" anchor="ctr"/>
-          <a:lstStyle/>
-          <a:p>
-            <a:pPr algn="ctr"/>
-            <a:r>
-              <a:rPr lang="en-US" dirty="0"/>
-              <a:t>Feature Extractor</a:t>
-            </a:r>
-          </a:p>
-        </p:txBody>
-      </p:sp>
-      <p:sp>
-        <p:nvSpPr>
-          <p:cNvPr id="9" name="Rectangle: Rounded Corners 8">
-            <a:extLst>
-              <a:ext uri="{FF2B5EF4-FFF2-40B4-BE49-F238E27FC236}">
-                <a16:creationId xmlns:a16="http://schemas.microsoft.com/office/drawing/2014/main" id="{F6E15227-9BF5-40EB-96F4-83F1A0B5F5E5}"/>
-              </a:ext>
-            </a:extLst>
-          </p:cNvPr>
-          <p:cNvSpPr/>
-          <p:nvPr/>
-        </p:nvSpPr>
-        <p:spPr>
-          <a:xfrm>
-            <a:off x="7740802" y="2048107"/>
-            <a:ext cx="1405054" cy="970156"/>
-          </a:xfrm>
-          <a:prstGeom prst="roundRect">
-            <a:avLst/>
-          </a:prstGeom>
-        </p:spPr>
-        <p:style>
-          <a:lnRef idx="2">
-            <a:schemeClr val="accent6"/>
-          </a:lnRef>
-          <a:fillRef idx="1">
-            <a:schemeClr val="lt1"/>
-          </a:fillRef>
-          <a:effectRef idx="0">
-            <a:schemeClr val="accent6"/>
-          </a:effectRef>
-          <a:fontRef idx="minor">
-            <a:schemeClr val="dk1"/>
-          </a:fontRef>
-        </p:style>
-        <p:txBody>
-          <a:bodyPr rtlCol="0" anchor="ctr"/>
-          <a:lstStyle/>
-          <a:p>
-            <a:pPr algn="ctr"/>
-            <a:r>
-              <a:rPr lang="en-US" dirty="0">
-                <a:solidFill>
-                  <a:schemeClr val="tx1"/>
-                </a:solidFill>
-              </a:rPr>
-              <a:t>Extracted Features (keywords)</a:t>
-            </a:r>
-          </a:p>
-        </p:txBody>
-      </p:sp>
-      <p:sp>
-        <p:nvSpPr>
-          <p:cNvPr id="10" name="Arrow: Right 9">
-            <a:extLst>
-              <a:ext uri="{FF2B5EF4-FFF2-40B4-BE49-F238E27FC236}">
-                <a16:creationId xmlns:a16="http://schemas.microsoft.com/office/drawing/2014/main" id="{AABB4322-ED68-4A70-A2C4-859EBF59A751}"/>
-              </a:ext>
-            </a:extLst>
-          </p:cNvPr>
-          <p:cNvSpPr/>
-          <p:nvPr/>
-        </p:nvSpPr>
-        <p:spPr>
-          <a:xfrm>
-            <a:off x="9248074" y="2263698"/>
-            <a:ext cx="1393903" cy="501804"/>
-          </a:xfrm>
-          <a:prstGeom prst="rightArrow">
-            <a:avLst/>
-          </a:prstGeom>
-        </p:spPr>
-        <p:style>
-          <a:lnRef idx="2">
-            <a:schemeClr val="accent5"/>
-          </a:lnRef>
-          <a:fillRef idx="1">
-            <a:schemeClr val="lt1"/>
-          </a:fillRef>
-          <a:effectRef idx="0">
-            <a:schemeClr val="accent5"/>
-          </a:effectRef>
-          <a:fontRef idx="minor">
-            <a:schemeClr val="dk1"/>
-          </a:fontRef>
-        </p:style>
-        <p:txBody>
-          <a:bodyPr rtlCol="0" anchor="ctr"/>
-          <a:lstStyle/>
-          <a:p>
-            <a:pPr algn="ctr"/>
-            <a:r>
-              <a:rPr lang="en-US" dirty="0"/>
-              <a:t>Prediction</a:t>
-            </a:r>
-          </a:p>
-        </p:txBody>
-      </p:sp>
-      <p:sp>
-        <p:nvSpPr>
-          <p:cNvPr id="12" name="Arrow: Right 11">
-            <a:extLst>
-              <a:ext uri="{FF2B5EF4-FFF2-40B4-BE49-F238E27FC236}">
-                <a16:creationId xmlns:a16="http://schemas.microsoft.com/office/drawing/2014/main" id="{AF5BE887-5A5A-417F-9219-A525C96A4875}"/>
-              </a:ext>
-            </a:extLst>
-          </p:cNvPr>
-          <p:cNvSpPr/>
-          <p:nvPr/>
-        </p:nvSpPr>
-        <p:spPr>
-          <a:xfrm rot="5400000">
-            <a:off x="9864471" y="2641619"/>
-            <a:ext cx="1296677" cy="540838"/>
-          </a:xfrm>
-          <a:prstGeom prst="rightArrow">
-            <a:avLst/>
-          </a:prstGeom>
-        </p:spPr>
-        <p:style>
-          <a:lnRef idx="2">
-            <a:schemeClr val="accent5"/>
-          </a:lnRef>
-          <a:fillRef idx="1">
-            <a:schemeClr val="lt1"/>
-          </a:fillRef>
-          <a:effectRef idx="0">
-            <a:schemeClr val="accent5"/>
-          </a:effectRef>
-          <a:fontRef idx="minor">
-            <a:schemeClr val="dk1"/>
-          </a:fontRef>
-        </p:style>
-        <p:txBody>
-          <a:bodyPr rtlCol="0" anchor="ctr"/>
-          <a:lstStyle/>
-          <a:p>
-            <a:pPr algn="ctr"/>
-            <a:r>
-              <a:rPr lang="en-US" dirty="0"/>
-              <a:t>Models</a:t>
-            </a:r>
-          </a:p>
-        </p:txBody>
-      </p:sp>
-      <p:sp>
-        <p:nvSpPr>
-          <p:cNvPr id="13" name="Rectangle: Rounded Corners 12">
-            <a:extLst>
-              <a:ext uri="{FF2B5EF4-FFF2-40B4-BE49-F238E27FC236}">
-                <a16:creationId xmlns:a16="http://schemas.microsoft.com/office/drawing/2014/main" id="{3CC92DC2-752E-4A66-B44D-B0D3D5CA1339}"/>
-              </a:ext>
-            </a:extLst>
-          </p:cNvPr>
-          <p:cNvSpPr/>
-          <p:nvPr/>
-        </p:nvSpPr>
-        <p:spPr>
-          <a:xfrm>
-            <a:off x="9656947" y="3648308"/>
-            <a:ext cx="1672689" cy="970156"/>
-          </a:xfrm>
-          <a:prstGeom prst="roundRect">
-            <a:avLst/>
-          </a:prstGeom>
-        </p:spPr>
-        <p:style>
-          <a:lnRef idx="2">
-            <a:schemeClr val="accent6"/>
-          </a:lnRef>
-          <a:fillRef idx="1">
-            <a:schemeClr val="lt1"/>
-          </a:fillRef>
-          <a:effectRef idx="0">
-            <a:schemeClr val="accent6"/>
-          </a:effectRef>
-          <a:fontRef idx="minor">
-            <a:schemeClr val="dk1"/>
-          </a:fontRef>
-        </p:style>
-        <p:txBody>
-          <a:bodyPr rtlCol="0" anchor="ctr"/>
-          <a:lstStyle/>
-          <a:p>
-            <a:pPr algn="ctr"/>
-            <a:r>
-              <a:rPr lang="en-US" dirty="0">
-                <a:solidFill>
-                  <a:schemeClr val="tx1"/>
-                </a:solidFill>
-              </a:rPr>
-              <a:t>Predicted Answers for Questionnaire</a:t>
-            </a:r>
-          </a:p>
-        </p:txBody>
-      </p:sp>
-      <p:sp>
-        <p:nvSpPr>
-          <p:cNvPr id="16" name="Arrow: Left 15">
-            <a:extLst>
-              <a:ext uri="{FF2B5EF4-FFF2-40B4-BE49-F238E27FC236}">
-                <a16:creationId xmlns:a16="http://schemas.microsoft.com/office/drawing/2014/main" id="{FBF9B934-F0A4-4927-999A-7676F1C80F4B}"/>
-              </a:ext>
-            </a:extLst>
-          </p:cNvPr>
-          <p:cNvSpPr/>
-          <p:nvPr/>
-        </p:nvSpPr>
-        <p:spPr>
-          <a:xfrm>
-            <a:off x="7889477" y="3882484"/>
-            <a:ext cx="1672689" cy="501804"/>
-          </a:xfrm>
-          <a:prstGeom prst="leftArrow">
+            <a:off x="0" y="0"/>
+            <a:ext cx="12192000" cy="6858000"/>
+          </a:xfrm>
+          <a:prstGeom prst="rect">
             <a:avLst/>
           </a:prstGeom>
           <a:solidFill>
-            <a:srgbClr val="FFC000"/>
+            <a:schemeClr val="tx1"/>
           </a:solidFill>
           <a:ln>
-            <a:solidFill>
-              <a:srgbClr val="FFC000"/>
-            </a:solidFill>
+            <a:noFill/>
           </a:ln>
         </p:spPr>
         <p:style>
@@ -4389,94 +4529,76 @@
           <a:bodyPr rtlCol="0" anchor="ctr"/>
           <a:lstStyle/>
           <a:p>
-            <a:pPr algn="ctr"/>
-            <a:r>
-              <a:rPr lang="en-US" dirty="0">
-                <a:solidFill>
-                  <a:schemeClr val="tx1"/>
-                </a:solidFill>
-              </a:rPr>
-              <a:t>Confirmation</a:t>
-            </a:r>
-          </a:p>
-        </p:txBody>
-      </p:sp>
-      <p:sp>
-        <p:nvSpPr>
-          <p:cNvPr id="17" name="Rectangle: Rounded Corners 16">
-            <a:extLst>
-              <a:ext uri="{FF2B5EF4-FFF2-40B4-BE49-F238E27FC236}">
-                <a16:creationId xmlns:a16="http://schemas.microsoft.com/office/drawing/2014/main" id="{477301F7-7617-4D04-9963-362E031A7B0C}"/>
-              </a:ext>
-            </a:extLst>
-          </p:cNvPr>
-          <p:cNvSpPr/>
-          <p:nvPr/>
+            <a:pPr marL="0" marR="0" lvl="0" indent="0" algn="ctr" defTabSz="914400" rtl="0" eaLnBrk="1" fontAlgn="auto" latinLnBrk="0" hangingPunct="1">
+              <a:lnSpc>
+                <a:spcPct val="100000"/>
+              </a:lnSpc>
+              <a:spcBef>
+                <a:spcPts val="0"/>
+              </a:spcBef>
+              <a:spcAft>
+                <a:spcPts val="0"/>
+              </a:spcAft>
+              <a:buClrTx/>
+              <a:buSzTx/>
+              <a:buFontTx/>
+              <a:buNone/>
+              <a:tabLst/>
+              <a:defRPr/>
+            </a:pPr>
+            <a:endParaRPr kumimoji="0" lang="en-US" sz="1800" b="0" i="0" u="none" strike="noStrike" kern="1200" cap="none" spc="0" normalizeH="0" baseline="0" noProof="0">
+              <a:ln>
+                <a:noFill/>
+              </a:ln>
+              <a:solidFill>
+                <a:prstClr val="white"/>
+              </a:solidFill>
+              <a:effectLst/>
+              <a:uLnTx/>
+              <a:uFillTx/>
+              <a:latin typeface="Calibri" panose="020F0502020204030204"/>
+              <a:ea typeface="+mn-ea"/>
+              <a:cs typeface="+mn-cs"/>
+            </a:endParaRPr>
+          </a:p>
+        </p:txBody>
+      </p:sp>
+      <p:sp>
+        <p:nvSpPr>
+          <p:cNvPr id="23" name="Rectangle 22">
+            <a:extLst>
+              <a:ext uri="{FF2B5EF4-FFF2-40B4-BE49-F238E27FC236}">
+                <a16:creationId xmlns:a16="http://schemas.microsoft.com/office/drawing/2014/main" id="{138A5824-1F4A-4EE7-BC13-5BB48FC0809B}"/>
+              </a:ext>
+              <a:ext uri="{C183D7F6-B498-43B3-948B-1728B52AA6E4}">
+                <adec:decorative xmlns:adec="http://schemas.microsoft.com/office/drawing/2017/decorative" val="1"/>
+              </a:ext>
+            </a:extLst>
+          </p:cNvPr>
+          <p:cNvSpPr>
+            <a:spLocks noGrp="1" noRot="1" noChangeAspect="1" noMove="1" noResize="1" noEditPoints="1" noAdjustHandles="1" noChangeArrowheads="1" noChangeShapeType="1" noTextEdit="1"/>
+          </p:cNvSpPr>
+          <p:nvPr>
+            <p:extLst>
+              <p:ext uri="{386F3935-93C4-4BCD-93E2-E3B085C9AB24}">
+                <p16:designElem xmlns:p16="http://schemas.microsoft.com/office/powerpoint/2015/main" val="1"/>
+              </p:ext>
+            </p:extLst>
+          </p:nvPr>
         </p:nvSpPr>
         <p:spPr>
           <a:xfrm>
-            <a:off x="6122007" y="3650167"/>
-            <a:ext cx="1672689" cy="970156"/>
-          </a:xfrm>
-          <a:prstGeom prst="roundRect">
+            <a:off x="320044" y="321732"/>
+            <a:ext cx="4568741" cy="6192603"/>
+          </a:xfrm>
+          <a:prstGeom prst="rect">
             <a:avLst/>
           </a:prstGeom>
-        </p:spPr>
-        <p:style>
-          <a:lnRef idx="2">
-            <a:schemeClr val="accent6"/>
-          </a:lnRef>
-          <a:fillRef idx="1">
-            <a:schemeClr val="lt1"/>
-          </a:fillRef>
-          <a:effectRef idx="0">
-            <a:schemeClr val="accent6"/>
-          </a:effectRef>
-          <a:fontRef idx="minor">
-            <a:schemeClr val="dk1"/>
-          </a:fontRef>
-        </p:style>
-        <p:txBody>
-          <a:bodyPr rtlCol="0" anchor="ctr"/>
-          <a:lstStyle/>
-          <a:p>
-            <a:pPr algn="ctr"/>
-            <a:r>
-              <a:rPr lang="en-US" dirty="0">
-                <a:solidFill>
-                  <a:schemeClr val="tx1"/>
-                </a:solidFill>
-              </a:rPr>
-              <a:t>Confirmed Answers for Questionnaire</a:t>
-            </a:r>
-          </a:p>
-        </p:txBody>
-      </p:sp>
-      <p:sp>
-        <p:nvSpPr>
-          <p:cNvPr id="18" name="Arrow: Left 17">
-            <a:extLst>
-              <a:ext uri="{FF2B5EF4-FFF2-40B4-BE49-F238E27FC236}">
-                <a16:creationId xmlns:a16="http://schemas.microsoft.com/office/drawing/2014/main" id="{806F3B6E-2497-4120-92FD-104195679653}"/>
-              </a:ext>
-            </a:extLst>
-          </p:cNvPr>
-          <p:cNvSpPr/>
-          <p:nvPr/>
-        </p:nvSpPr>
-        <p:spPr>
-          <a:xfrm>
-            <a:off x="4354537" y="3882484"/>
-            <a:ext cx="1672689" cy="501804"/>
-          </a:xfrm>
-          <a:prstGeom prst="leftArrow">
-            <a:avLst/>
-          </a:prstGeom>
-          <a:noFill/>
+          <a:solidFill>
+            <a:srgbClr val="33363C"/>
+          </a:solidFill>
           <a:ln>
-            <a:solidFill>
-              <a:schemeClr val="accent1"/>
-            </a:solidFill>
+            <a:noFill/>
           </a:ln>
         </p:spPr>
         <p:style>
@@ -4499,24 +4621,532 @@
           <a:bodyPr rtlCol="0" anchor="ctr"/>
           <a:lstStyle/>
           <a:p>
-            <a:pPr algn="ctr"/>
-            <a:r>
-              <a:rPr lang="en-US" dirty="0">
+            <a:pPr marL="0" marR="0" lvl="0" indent="0" algn="ctr" defTabSz="914400" rtl="0" eaLnBrk="1" fontAlgn="auto" latinLnBrk="0" hangingPunct="1">
+              <a:lnSpc>
+                <a:spcPct val="100000"/>
+              </a:lnSpc>
+              <a:spcBef>
+                <a:spcPts val="0"/>
+              </a:spcBef>
+              <a:spcAft>
+                <a:spcPts val="0"/>
+              </a:spcAft>
+              <a:buClrTx/>
+              <a:buSzTx/>
+              <a:buFontTx/>
+              <a:buNone/>
+              <a:tabLst/>
+              <a:defRPr/>
+            </a:pPr>
+            <a:endParaRPr kumimoji="0" lang="en-US" sz="1800" b="0" i="0" u="none" strike="noStrike" kern="1200" cap="none" spc="0" normalizeH="0" baseline="0" noProof="0">
+              <a:ln>
+                <a:noFill/>
+              </a:ln>
+              <a:solidFill>
+                <a:prstClr val="white"/>
+              </a:solidFill>
+              <a:effectLst/>
+              <a:uLnTx/>
+              <a:uFillTx/>
+              <a:latin typeface="Calibri" panose="020F0502020204030204"/>
+              <a:ea typeface="+mn-ea"/>
+              <a:cs typeface="+mn-cs"/>
+            </a:endParaRPr>
+          </a:p>
+        </p:txBody>
+      </p:sp>
+      <p:sp>
+        <p:nvSpPr>
+          <p:cNvPr id="2" name="Title 1">
+            <a:extLst>
+              <a:ext uri="{FF2B5EF4-FFF2-40B4-BE49-F238E27FC236}">
+                <a16:creationId xmlns:a16="http://schemas.microsoft.com/office/drawing/2014/main" id="{DBBE7346-4ECA-4C0F-9D56-2E9EA67F7E01}"/>
+              </a:ext>
+            </a:extLst>
+          </p:cNvPr>
+          <p:cNvSpPr>
+            <a:spLocks noGrp="1"/>
+          </p:cNvSpPr>
+          <p:nvPr>
+            <p:ph type="title"/>
+          </p:nvPr>
+        </p:nvSpPr>
+        <p:spPr>
+          <a:xfrm>
+            <a:off x="798257" y="637523"/>
+            <a:ext cx="3608896" cy="1690993"/>
+          </a:xfrm>
+        </p:spPr>
+        <p:txBody>
+          <a:bodyPr anchor="b">
+            <a:normAutofit/>
+          </a:bodyPr>
+          <a:lstStyle/>
+          <a:p>
+            <a:r>
+              <a:rPr lang="en-US" sz="3600" b="1" dirty="0"/>
+              <a:t>Laboratory of Medical Imaging and Computation</a:t>
+            </a:r>
+            <a:endParaRPr lang="en-US" sz="3600" dirty="0">
+              <a:solidFill>
+                <a:srgbClr val="FFFFFF"/>
+              </a:solidFill>
+            </a:endParaRPr>
+          </a:p>
+        </p:txBody>
+      </p:sp>
+      <p:pic>
+        <p:nvPicPr>
+          <p:cNvPr id="14" name="Picture 13" descr="Image result for sehyo yune">
+            <a:extLst>
+              <a:ext uri="{FF2B5EF4-FFF2-40B4-BE49-F238E27FC236}">
+                <a16:creationId xmlns:a16="http://schemas.microsoft.com/office/drawing/2014/main" id="{19BAA08A-6FFD-49C5-AB48-26A72928B796}"/>
+              </a:ext>
+            </a:extLst>
+          </p:cNvPr>
+          <p:cNvPicPr/>
+          <p:nvPr/>
+        </p:nvPicPr>
+        <p:blipFill rotWithShape="1">
+          <a:blip r:embed="rId2">
+            <a:extLst>
+              <a:ext uri="{28A0092B-C50C-407E-A947-70E740481C1C}">
+                <a14:useLocalDpi xmlns:a14="http://schemas.microsoft.com/office/drawing/2010/main" val="0"/>
+              </a:ext>
+            </a:extLst>
+          </a:blip>
+          <a:srcRect l="16662" r="21997" b="15586"/>
+          <a:stretch/>
+        </p:blipFill>
+        <p:spPr bwMode="auto">
+          <a:xfrm>
+            <a:off x="7073223" y="321732"/>
+            <a:ext cx="1379835" cy="1898885"/>
+          </a:xfrm>
+          <a:prstGeom prst="rect">
+            <a:avLst/>
+          </a:prstGeom>
+          <a:noFill/>
+          <a:extLst>
+            <a:ext uri="{53640926-AAD7-44D8-BBD7-CCE9431645EC}">
+              <a14:shadowObscured xmlns:a14="http://schemas.microsoft.com/office/drawing/2010/main"/>
+            </a:ext>
+          </a:extLst>
+        </p:spPr>
+      </p:pic>
+      <p:pic>
+        <p:nvPicPr>
+          <p:cNvPr id="13" name="Picture 12" descr="A person standing in front of a window&#10;&#10;Description generated with high confidence">
+            <a:extLst>
+              <a:ext uri="{FF2B5EF4-FFF2-40B4-BE49-F238E27FC236}">
+                <a16:creationId xmlns:a16="http://schemas.microsoft.com/office/drawing/2014/main" id="{A7EEFD78-8130-4E49-B618-194265A4D90A}"/>
+              </a:ext>
+            </a:extLst>
+          </p:cNvPr>
+          <p:cNvPicPr>
+            <a:picLocks noChangeAspect="1"/>
+          </p:cNvPicPr>
+          <p:nvPr/>
+        </p:nvPicPr>
+        <p:blipFill rotWithShape="1">
+          <a:blip r:embed="rId3">
+            <a:extLst>
+              <a:ext uri="{28A0092B-C50C-407E-A947-70E740481C1C}">
+                <a14:useLocalDpi xmlns:a14="http://schemas.microsoft.com/office/drawing/2010/main" val="0"/>
+              </a:ext>
+            </a:extLst>
+          </a:blip>
+          <a:srcRect l="20438" t="4309" r="18094" b="20979"/>
+          <a:stretch/>
+        </p:blipFill>
+        <p:spPr>
+          <a:xfrm>
+            <a:off x="8570298" y="321733"/>
+            <a:ext cx="1382577" cy="1898884"/>
+          </a:xfrm>
+          <a:prstGeom prst="rect">
+            <a:avLst/>
+          </a:prstGeom>
+        </p:spPr>
+      </p:pic>
+      <p:pic>
+        <p:nvPicPr>
+          <p:cNvPr id="12" name="Picture 11" descr="A group of people posing for the camera&#10;&#10;Description generated with very high confidence">
+            <a:extLst>
+              <a:ext uri="{FF2B5EF4-FFF2-40B4-BE49-F238E27FC236}">
+                <a16:creationId xmlns:a16="http://schemas.microsoft.com/office/drawing/2014/main" id="{7675BD11-B8C9-4583-954F-F64F1ACDD57C}"/>
+              </a:ext>
+            </a:extLst>
+          </p:cNvPr>
+          <p:cNvPicPr>
+            <a:picLocks noChangeAspect="1"/>
+          </p:cNvPicPr>
+          <p:nvPr/>
+        </p:nvPicPr>
+        <p:blipFill rotWithShape="1">
+          <a:blip r:embed="rId4">
+            <a:extLst>
+              <a:ext uri="{28A0092B-C50C-407E-A947-70E740481C1C}">
+                <a14:useLocalDpi xmlns:a14="http://schemas.microsoft.com/office/drawing/2010/main" val="0"/>
+              </a:ext>
+            </a:extLst>
+          </a:blip>
+          <a:srcRect l="16845" t="6248" r="10959" b="4493"/>
+          <a:stretch/>
+        </p:blipFill>
+        <p:spPr>
+          <a:xfrm>
+            <a:off x="5336184" y="2443077"/>
+            <a:ext cx="1619799" cy="2002611"/>
+          </a:xfrm>
+          <a:prstGeom prst="rect">
+            <a:avLst/>
+          </a:prstGeom>
+        </p:spPr>
+      </p:pic>
+      <p:sp>
+        <p:nvSpPr>
+          <p:cNvPr id="3" name="Content Placeholder 2">
+            <a:extLst>
+              <a:ext uri="{FF2B5EF4-FFF2-40B4-BE49-F238E27FC236}">
+                <a16:creationId xmlns:a16="http://schemas.microsoft.com/office/drawing/2014/main" id="{7EFE10DC-4534-437E-AB43-C4FCA5CD281D}"/>
+              </a:ext>
+            </a:extLst>
+          </p:cNvPr>
+          <p:cNvSpPr>
+            <a:spLocks noGrp="1"/>
+          </p:cNvSpPr>
+          <p:nvPr>
+            <p:ph idx="1"/>
+          </p:nvPr>
+        </p:nvSpPr>
+        <p:spPr>
+          <a:xfrm>
+            <a:off x="798256" y="2474260"/>
+            <a:ext cx="3607930" cy="3677158"/>
+          </a:xfrm>
+        </p:spPr>
+        <p:txBody>
+          <a:bodyPr anchor="t">
+            <a:normAutofit fontScale="92500" lnSpcReduction="10000"/>
+          </a:bodyPr>
+          <a:lstStyle/>
+          <a:p>
+            <a:pPr marL="0" indent="0">
+              <a:buNone/>
+            </a:pPr>
+            <a:r>
+              <a:rPr lang="en-US" sz="2000" b="1" dirty="0"/>
+              <a:t>Director:</a:t>
+            </a:r>
+          </a:p>
+          <a:p>
+            <a:pPr marL="0" indent="0">
+              <a:buNone/>
+            </a:pPr>
+            <a:r>
+              <a:rPr lang="en-US" sz="2000" dirty="0"/>
+              <a:t>  Synho Do, PhD</a:t>
+            </a:r>
+          </a:p>
+          <a:p>
+            <a:pPr marL="0" indent="0">
+              <a:buNone/>
+            </a:pPr>
+            <a:r>
+              <a:rPr lang="en-US" sz="2000" b="1" dirty="0"/>
+              <a:t>Research Fellows:</a:t>
+            </a:r>
+          </a:p>
+          <a:p>
+            <a:pPr marL="0" indent="0">
+              <a:buNone/>
+            </a:pPr>
+            <a:r>
+              <a:rPr lang="en-US" sz="2000" dirty="0"/>
+              <a:t>  Jinserk Baik, PhD</a:t>
+            </a:r>
+          </a:p>
+          <a:p>
+            <a:pPr marL="0" indent="0">
+              <a:buNone/>
+            </a:pPr>
+            <a:r>
+              <a:rPr lang="en-US" sz="2000" dirty="0"/>
+              <a:t>  Myeongchan Kim, MD</a:t>
+            </a:r>
+          </a:p>
+          <a:p>
+            <a:pPr marL="0" indent="0">
+              <a:buNone/>
+            </a:pPr>
+            <a:r>
+              <a:rPr lang="en-US" sz="2000" dirty="0"/>
+              <a:t>  Sehyo Yune, MD, MPH, MBA</a:t>
+            </a:r>
+          </a:p>
+          <a:p>
+            <a:pPr marL="0" indent="0">
+              <a:buNone/>
+            </a:pPr>
+            <a:r>
+              <a:rPr lang="en-US" sz="2000" b="1" dirty="0"/>
+              <a:t>Research Assistants:</a:t>
+            </a:r>
+          </a:p>
+          <a:p>
+            <a:pPr marL="0" indent="0">
+              <a:buNone/>
+            </a:pPr>
+            <a:r>
+              <a:rPr lang="en-US" sz="2000" dirty="0"/>
+              <a:t>  Allison Welton</a:t>
+            </a:r>
+          </a:p>
+          <a:p>
+            <a:pPr marL="0" indent="0">
+              <a:buNone/>
+            </a:pPr>
+            <a:r>
+              <a:rPr lang="en-US" sz="2000" dirty="0"/>
+              <a:t>  Lucy Liu, MPH</a:t>
+            </a:r>
+          </a:p>
+          <a:p>
+            <a:pPr marL="0" indent="0">
+              <a:buNone/>
+            </a:pPr>
+            <a:r>
+              <a:rPr lang="en-US" sz="2000" dirty="0"/>
+              <a:t>  Poornima Ramaraj</a:t>
+            </a:r>
+          </a:p>
+        </p:txBody>
+      </p:sp>
+      <p:pic>
+        <p:nvPicPr>
+          <p:cNvPr id="11" name="Picture 10" descr="A person holding a sign posing for the camera&#10;&#10;Description generated with very high confidence">
+            <a:extLst>
+              <a:ext uri="{FF2B5EF4-FFF2-40B4-BE49-F238E27FC236}">
+                <a16:creationId xmlns:a16="http://schemas.microsoft.com/office/drawing/2014/main" id="{AAB755A4-E15E-4A8F-AAFE-8C3E6AB9E191}"/>
+              </a:ext>
+            </a:extLst>
+          </p:cNvPr>
+          <p:cNvPicPr>
+            <a:picLocks noChangeAspect="1"/>
+          </p:cNvPicPr>
+          <p:nvPr/>
+        </p:nvPicPr>
+        <p:blipFill rotWithShape="1">
+          <a:blip r:embed="rId5">
+            <a:extLst>
+              <a:ext uri="{28A0092B-C50C-407E-A947-70E740481C1C}">
+                <a14:useLocalDpi xmlns:a14="http://schemas.microsoft.com/office/drawing/2010/main" val="0"/>
+              </a:ext>
+            </a:extLst>
+          </a:blip>
+          <a:srcRect l="6859" t="-547" r="21126" b="40094"/>
+          <a:stretch/>
+        </p:blipFill>
+        <p:spPr>
+          <a:xfrm>
+            <a:off x="5336184" y="338574"/>
+            <a:ext cx="1619799" cy="1882043"/>
+          </a:xfrm>
+          <a:prstGeom prst="rect">
+            <a:avLst/>
+          </a:prstGeom>
+        </p:spPr>
+      </p:pic>
+      <p:pic>
+        <p:nvPicPr>
+          <p:cNvPr id="16" name="Picture 2" descr="Image result for synho do">
+            <a:extLst>
+              <a:ext uri="{FF2B5EF4-FFF2-40B4-BE49-F238E27FC236}">
+                <a16:creationId xmlns:a16="http://schemas.microsoft.com/office/drawing/2014/main" id="{9F8DEA56-8C31-4B88-94DA-5A1A89E41F8E}"/>
+              </a:ext>
+            </a:extLst>
+          </p:cNvPr>
+          <p:cNvPicPr>
+            <a:picLocks noChangeAspect="1" noChangeArrowheads="1"/>
+          </p:cNvPicPr>
+          <p:nvPr/>
+        </p:nvPicPr>
+        <p:blipFill rotWithShape="1">
+          <a:blip r:embed="rId6">
+            <a:extLst>
+              <a:ext uri="{28A0092B-C50C-407E-A947-70E740481C1C}">
+                <a14:useLocalDpi xmlns:a14="http://schemas.microsoft.com/office/drawing/2010/main" val="0"/>
+              </a:ext>
+            </a:extLst>
+          </a:blip>
+          <a:srcRect l="1" r="1444" b="10698"/>
+          <a:stretch/>
+        </p:blipFill>
+        <p:spPr bwMode="auto">
+          <a:xfrm>
+            <a:off x="7073223" y="2439833"/>
+            <a:ext cx="4496709" cy="4074501"/>
+          </a:xfrm>
+          <a:prstGeom prst="rect">
+            <a:avLst/>
+          </a:prstGeom>
+          <a:noFill/>
+          <a:extLst>
+            <a:ext uri="{909E8E84-426E-40DD-AFC4-6F175D3DCCD1}">
+              <a14:hiddenFill xmlns:a14="http://schemas.microsoft.com/office/drawing/2010/main">
                 <a:solidFill>
-                  <a:schemeClr val="tx1"/>
+                  <a:srgbClr val="FFFFFF"/>
                 </a:solidFill>
-              </a:rPr>
-              <a:t>Logic Diagram</a:t>
-            </a:r>
-          </a:p>
-        </p:txBody>
-      </p:sp>
-      <p:sp>
-        <p:nvSpPr>
-          <p:cNvPr id="19" name="Rectangle: Rounded Corners 18">
-            <a:extLst>
-              <a:ext uri="{FF2B5EF4-FFF2-40B4-BE49-F238E27FC236}">
-                <a16:creationId xmlns:a16="http://schemas.microsoft.com/office/drawing/2014/main" id="{FF3D199E-127F-4D92-9CBE-6C8A91377EE9}"/>
+              </a14:hiddenFill>
+            </a:ext>
+          </a:extLst>
+        </p:spPr>
+      </p:pic>
+      <p:pic>
+        <p:nvPicPr>
+          <p:cNvPr id="15" name="Picture 14" descr="A person smiling for the camera&#10;&#10;Description generated with very high confidence">
+            <a:extLst>
+              <a:ext uri="{FF2B5EF4-FFF2-40B4-BE49-F238E27FC236}">
+                <a16:creationId xmlns:a16="http://schemas.microsoft.com/office/drawing/2014/main" id="{3BF92487-CFF1-4F78-8BF6-8E99D56F66F2}"/>
+              </a:ext>
+            </a:extLst>
+          </p:cNvPr>
+          <p:cNvPicPr>
+            <a:picLocks noChangeAspect="1"/>
+          </p:cNvPicPr>
+          <p:nvPr/>
+        </p:nvPicPr>
+        <p:blipFill rotWithShape="1">
+          <a:blip r:embed="rId7">
+            <a:extLst>
+              <a:ext uri="{28A0092B-C50C-407E-A947-70E740481C1C}">
+                <a14:useLocalDpi xmlns:a14="http://schemas.microsoft.com/office/drawing/2010/main" val="0"/>
+              </a:ext>
+            </a:extLst>
+          </a:blip>
+          <a:srcRect l="20807" t="1240" r="13883" b="24322"/>
+          <a:stretch/>
+        </p:blipFill>
+        <p:spPr>
+          <a:xfrm>
+            <a:off x="5336184" y="4668148"/>
+            <a:ext cx="1619799" cy="1846186"/>
+          </a:xfrm>
+          <a:prstGeom prst="rect">
+            <a:avLst/>
+          </a:prstGeom>
+        </p:spPr>
+      </p:pic>
+      <p:pic>
+        <p:nvPicPr>
+          <p:cNvPr id="19" name="Picture 6" descr="Image result for jinserk baik">
+            <a:extLst>
+              <a:ext uri="{FF2B5EF4-FFF2-40B4-BE49-F238E27FC236}">
+                <a16:creationId xmlns:a16="http://schemas.microsoft.com/office/drawing/2014/main" id="{4841528C-D01C-4C1F-906E-BF962D35FFD3}"/>
+              </a:ext>
+            </a:extLst>
+          </p:cNvPr>
+          <p:cNvPicPr>
+            <a:picLocks noChangeAspect="1" noChangeArrowheads="1"/>
+          </p:cNvPicPr>
+          <p:nvPr/>
+        </p:nvPicPr>
+        <p:blipFill rotWithShape="1">
+          <a:blip r:embed="rId8">
+            <a:extLst>
+              <a:ext uri="{28A0092B-C50C-407E-A947-70E740481C1C}">
+                <a14:useLocalDpi xmlns:a14="http://schemas.microsoft.com/office/drawing/2010/main" val="0"/>
+              </a:ext>
+            </a:extLst>
+          </a:blip>
+          <a:srcRect l="12452" t="-282" r="8817" b="282"/>
+          <a:stretch/>
+        </p:blipFill>
+        <p:spPr bwMode="auto">
+          <a:xfrm>
+            <a:off x="10070115" y="321732"/>
+            <a:ext cx="1499817" cy="1905000"/>
+          </a:xfrm>
+          <a:prstGeom prst="rect">
+            <a:avLst/>
+          </a:prstGeom>
+          <a:noFill/>
+          <a:extLst>
+            <a:ext uri="{909E8E84-426E-40DD-AFC4-6F175D3DCCD1}">
+              <a14:hiddenFill xmlns:a14="http://schemas.microsoft.com/office/drawing/2010/main">
+                <a:solidFill>
+                  <a:srgbClr val="FFFFFF"/>
+                </a:solidFill>
+              </a14:hiddenFill>
+            </a:ext>
+          </a:extLst>
+        </p:spPr>
+      </p:pic>
+    </p:spTree>
+    <p:extLst>
+      <p:ext uri="{BB962C8B-B14F-4D97-AF65-F5344CB8AC3E}">
+        <p14:creationId xmlns:p14="http://schemas.microsoft.com/office/powerpoint/2010/main" val="2607928470"/>
+      </p:ext>
+    </p:extLst>
+  </p:cSld>
+  <p:clrMapOvr>
+    <a:overrideClrMapping bg1="dk1" tx1="lt1" bg2="dk2" tx2="lt2" accent1="accent1" accent2="accent2" accent3="accent3" accent4="accent4" accent5="accent5" accent6="accent6" hlink="hlink" folHlink="folHlink"/>
+  </p:clrMapOvr>
+</p:sld>
+</file>
+
+<file path=ppt/slides/slide5.xml><?xml version="1.0" encoding="utf-8"?>
+<p:sld xmlns:a="http://schemas.openxmlformats.org/drawingml/2006/main" xmlns:r="http://schemas.openxmlformats.org/officeDocument/2006/relationships" xmlns:p="http://schemas.openxmlformats.org/presentationml/2006/main">
+  <p:cSld>
+    <p:spTree>
+      <p:nvGrpSpPr>
+        <p:cNvPr id="1" name=""/>
+        <p:cNvGrpSpPr/>
+        <p:nvPr/>
+      </p:nvGrpSpPr>
+      <p:grpSpPr>
+        <a:xfrm>
+          <a:off x="0" y="0"/>
+          <a:ext cx="0" cy="0"/>
+          <a:chOff x="0" y="0"/>
+          <a:chExt cx="0" cy="0"/>
+        </a:xfrm>
+      </p:grpSpPr>
+      <p:sp>
+        <p:nvSpPr>
+          <p:cNvPr id="2" name="Title 1">
+            <a:extLst>
+              <a:ext uri="{FF2B5EF4-FFF2-40B4-BE49-F238E27FC236}">
+                <a16:creationId xmlns:a16="http://schemas.microsoft.com/office/drawing/2014/main" id="{8F691A65-E64D-4BB5-B811-FC614C75A9F4}"/>
+              </a:ext>
+            </a:extLst>
+          </p:cNvPr>
+          <p:cNvSpPr>
+            <a:spLocks noGrp="1"/>
+          </p:cNvSpPr>
+          <p:nvPr>
+            <p:ph type="title"/>
+          </p:nvPr>
+        </p:nvSpPr>
+        <p:spPr/>
+        <p:txBody>
+          <a:bodyPr/>
+          <a:lstStyle/>
+          <a:p>
+            <a:r>
+              <a:rPr lang="en-US" dirty="0"/>
+              <a:t>New System in Development</a:t>
+            </a:r>
+          </a:p>
+        </p:txBody>
+      </p:sp>
+      <p:sp>
+        <p:nvSpPr>
+          <p:cNvPr id="4" name="Rectangle: Rounded Corners 3">
+            <a:extLst>
+              <a:ext uri="{FF2B5EF4-FFF2-40B4-BE49-F238E27FC236}">
+                <a16:creationId xmlns:a16="http://schemas.microsoft.com/office/drawing/2014/main" id="{7129C496-6B0A-4980-8AA5-FB180E0C03F5}"/>
               </a:ext>
             </a:extLst>
           </p:cNvPr>
@@ -4525,8 +5155,8 @@
         </p:nvSpPr>
         <p:spPr>
           <a:xfrm>
-            <a:off x="2243255" y="3648308"/>
-            <a:ext cx="2016502" cy="970156"/>
+            <a:off x="838200" y="2029522"/>
+            <a:ext cx="1405054" cy="970156"/>
           </a:xfrm>
           <a:prstGeom prst="roundRect">
             <a:avLst/>
@@ -4557,17 +5187,17 @@
                   <a:schemeClr val="tx1"/>
                 </a:solidFill>
               </a:rPr>
-              <a:t>Recommendation</a:t>
-            </a:r>
-          </a:p>
-        </p:txBody>
-      </p:sp>
-      <p:sp>
-        <p:nvSpPr>
-          <p:cNvPr id="21" name="Rectangle: Rounded Corners 20">
-            <a:extLst>
-              <a:ext uri="{FF2B5EF4-FFF2-40B4-BE49-F238E27FC236}">
-                <a16:creationId xmlns:a16="http://schemas.microsoft.com/office/drawing/2014/main" id="{8ADC71BF-8043-4345-AA3A-5554EA93A413}"/>
+              <a:t>Enterprise Data Warehouse</a:t>
+            </a:r>
+          </a:p>
+        </p:txBody>
+      </p:sp>
+      <p:sp>
+        <p:nvSpPr>
+          <p:cNvPr id="6" name="Arrow: Right 5">
+            <a:extLst>
+              <a:ext uri="{FF2B5EF4-FFF2-40B4-BE49-F238E27FC236}">
+                <a16:creationId xmlns:a16="http://schemas.microsoft.com/office/drawing/2014/main" id="{D6B3AC63-4EA4-4E5F-850F-997F353C72B0}"/>
               </a:ext>
             </a:extLst>
           </p:cNvPr>
@@ -4576,10 +5206,351 @@
         </p:nvSpPr>
         <p:spPr>
           <a:xfrm>
-            <a:off x="6724185" y="5642517"/>
-            <a:ext cx="1795346" cy="301083"/>
+            <a:off x="2364058" y="2263698"/>
+            <a:ext cx="1683834" cy="501804"/>
+          </a:xfrm>
+          <a:prstGeom prst="rightArrow">
+            <a:avLst/>
+          </a:prstGeom>
+        </p:spPr>
+        <p:style>
+          <a:lnRef idx="2">
+            <a:schemeClr val="accent5"/>
+          </a:lnRef>
+          <a:fillRef idx="1">
+            <a:schemeClr val="lt1"/>
+          </a:fillRef>
+          <a:effectRef idx="0">
+            <a:schemeClr val="accent5"/>
+          </a:effectRef>
+          <a:fontRef idx="minor">
+            <a:schemeClr val="dk1"/>
+          </a:fontRef>
+        </p:style>
+        <p:txBody>
+          <a:bodyPr rtlCol="0" anchor="ctr"/>
+          <a:lstStyle/>
+          <a:p>
+            <a:pPr algn="ctr"/>
+            <a:r>
+              <a:rPr lang="en-US" dirty="0"/>
+              <a:t>Data Loader</a:t>
+            </a:r>
+          </a:p>
+        </p:txBody>
+      </p:sp>
+      <p:sp>
+        <p:nvSpPr>
+          <p:cNvPr id="7" name="Rectangle: Rounded Corners 6">
+            <a:extLst>
+              <a:ext uri="{FF2B5EF4-FFF2-40B4-BE49-F238E27FC236}">
+                <a16:creationId xmlns:a16="http://schemas.microsoft.com/office/drawing/2014/main" id="{F42A290C-072F-4256-8354-D3B3BAEE2C42}"/>
+              </a:ext>
+            </a:extLst>
+          </p:cNvPr>
+          <p:cNvSpPr/>
+          <p:nvPr/>
+        </p:nvSpPr>
+        <p:spPr>
+          <a:xfrm>
+            <a:off x="4150111" y="2029522"/>
+            <a:ext cx="1405054" cy="970156"/>
           </a:xfrm>
           <a:prstGeom prst="roundRect">
+            <a:avLst/>
+          </a:prstGeom>
+        </p:spPr>
+        <p:style>
+          <a:lnRef idx="2">
+            <a:schemeClr val="accent6"/>
+          </a:lnRef>
+          <a:fillRef idx="1">
+            <a:schemeClr val="lt1"/>
+          </a:fillRef>
+          <a:effectRef idx="0">
+            <a:schemeClr val="accent6"/>
+          </a:effectRef>
+          <a:fontRef idx="minor">
+            <a:schemeClr val="dk1"/>
+          </a:fontRef>
+        </p:style>
+        <p:txBody>
+          <a:bodyPr rtlCol="0" anchor="ctr"/>
+          <a:lstStyle/>
+          <a:p>
+            <a:pPr algn="ctr"/>
+            <a:r>
+              <a:rPr lang="en-US" dirty="0">
+                <a:solidFill>
+                  <a:schemeClr val="tx1"/>
+                </a:solidFill>
+              </a:rPr>
+              <a:t>Electronic Health Record</a:t>
+            </a:r>
+          </a:p>
+        </p:txBody>
+      </p:sp>
+      <p:sp>
+        <p:nvSpPr>
+          <p:cNvPr id="8" name="Arrow: Right 7">
+            <a:extLst>
+              <a:ext uri="{FF2B5EF4-FFF2-40B4-BE49-F238E27FC236}">
+                <a16:creationId xmlns:a16="http://schemas.microsoft.com/office/drawing/2014/main" id="{727538CF-368C-4B97-9E21-75E283E97F62}"/>
+              </a:ext>
+            </a:extLst>
+          </p:cNvPr>
+          <p:cNvSpPr/>
+          <p:nvPr/>
+        </p:nvSpPr>
+        <p:spPr>
+          <a:xfrm>
+            <a:off x="5657383" y="2263698"/>
+            <a:ext cx="1981201" cy="501804"/>
+          </a:xfrm>
+          <a:prstGeom prst="rightArrow">
+            <a:avLst/>
+          </a:prstGeom>
+        </p:spPr>
+        <p:style>
+          <a:lnRef idx="2">
+            <a:schemeClr val="accent5"/>
+          </a:lnRef>
+          <a:fillRef idx="1">
+            <a:schemeClr val="lt1"/>
+          </a:fillRef>
+          <a:effectRef idx="0">
+            <a:schemeClr val="accent5"/>
+          </a:effectRef>
+          <a:fontRef idx="minor">
+            <a:schemeClr val="dk1"/>
+          </a:fontRef>
+        </p:style>
+        <p:txBody>
+          <a:bodyPr rtlCol="0" anchor="ctr"/>
+          <a:lstStyle/>
+          <a:p>
+            <a:pPr algn="ctr"/>
+            <a:r>
+              <a:rPr lang="en-US" dirty="0"/>
+              <a:t>Feature Extractor</a:t>
+            </a:r>
+          </a:p>
+        </p:txBody>
+      </p:sp>
+      <p:sp>
+        <p:nvSpPr>
+          <p:cNvPr id="9" name="Rectangle: Rounded Corners 8">
+            <a:extLst>
+              <a:ext uri="{FF2B5EF4-FFF2-40B4-BE49-F238E27FC236}">
+                <a16:creationId xmlns:a16="http://schemas.microsoft.com/office/drawing/2014/main" id="{F6E15227-9BF5-40EB-96F4-83F1A0B5F5E5}"/>
+              </a:ext>
+            </a:extLst>
+          </p:cNvPr>
+          <p:cNvSpPr/>
+          <p:nvPr/>
+        </p:nvSpPr>
+        <p:spPr>
+          <a:xfrm>
+            <a:off x="7740802" y="2048107"/>
+            <a:ext cx="1405054" cy="970156"/>
+          </a:xfrm>
+          <a:prstGeom prst="roundRect">
+            <a:avLst/>
+          </a:prstGeom>
+        </p:spPr>
+        <p:style>
+          <a:lnRef idx="2">
+            <a:schemeClr val="accent6"/>
+          </a:lnRef>
+          <a:fillRef idx="1">
+            <a:schemeClr val="lt1"/>
+          </a:fillRef>
+          <a:effectRef idx="0">
+            <a:schemeClr val="accent6"/>
+          </a:effectRef>
+          <a:fontRef idx="minor">
+            <a:schemeClr val="dk1"/>
+          </a:fontRef>
+        </p:style>
+        <p:txBody>
+          <a:bodyPr rtlCol="0" anchor="ctr"/>
+          <a:lstStyle/>
+          <a:p>
+            <a:pPr algn="ctr"/>
+            <a:r>
+              <a:rPr lang="en-US" dirty="0">
+                <a:solidFill>
+                  <a:schemeClr val="tx1"/>
+                </a:solidFill>
+              </a:rPr>
+              <a:t>Extracted Features (keywords)</a:t>
+            </a:r>
+          </a:p>
+        </p:txBody>
+      </p:sp>
+      <p:sp>
+        <p:nvSpPr>
+          <p:cNvPr id="10" name="Arrow: Right 9">
+            <a:extLst>
+              <a:ext uri="{FF2B5EF4-FFF2-40B4-BE49-F238E27FC236}">
+                <a16:creationId xmlns:a16="http://schemas.microsoft.com/office/drawing/2014/main" id="{AABB4322-ED68-4A70-A2C4-859EBF59A751}"/>
+              </a:ext>
+            </a:extLst>
+          </p:cNvPr>
+          <p:cNvSpPr/>
+          <p:nvPr/>
+        </p:nvSpPr>
+        <p:spPr>
+          <a:xfrm>
+            <a:off x="9248074" y="2263698"/>
+            <a:ext cx="1393903" cy="501804"/>
+          </a:xfrm>
+          <a:prstGeom prst="rightArrow">
+            <a:avLst/>
+          </a:prstGeom>
+        </p:spPr>
+        <p:style>
+          <a:lnRef idx="2">
+            <a:schemeClr val="accent5"/>
+          </a:lnRef>
+          <a:fillRef idx="1">
+            <a:schemeClr val="lt1"/>
+          </a:fillRef>
+          <a:effectRef idx="0">
+            <a:schemeClr val="accent5"/>
+          </a:effectRef>
+          <a:fontRef idx="minor">
+            <a:schemeClr val="dk1"/>
+          </a:fontRef>
+        </p:style>
+        <p:txBody>
+          <a:bodyPr rtlCol="0" anchor="ctr"/>
+          <a:lstStyle/>
+          <a:p>
+            <a:pPr algn="ctr"/>
+            <a:r>
+              <a:rPr lang="en-US" dirty="0"/>
+              <a:t>Prediction</a:t>
+            </a:r>
+          </a:p>
+        </p:txBody>
+      </p:sp>
+      <p:sp>
+        <p:nvSpPr>
+          <p:cNvPr id="12" name="Arrow: Right 11">
+            <a:extLst>
+              <a:ext uri="{FF2B5EF4-FFF2-40B4-BE49-F238E27FC236}">
+                <a16:creationId xmlns:a16="http://schemas.microsoft.com/office/drawing/2014/main" id="{AF5BE887-5A5A-417F-9219-A525C96A4875}"/>
+              </a:ext>
+            </a:extLst>
+          </p:cNvPr>
+          <p:cNvSpPr/>
+          <p:nvPr/>
+        </p:nvSpPr>
+        <p:spPr>
+          <a:xfrm rot="5400000">
+            <a:off x="9864471" y="2641619"/>
+            <a:ext cx="1296677" cy="540838"/>
+          </a:xfrm>
+          <a:prstGeom prst="rightArrow">
+            <a:avLst/>
+          </a:prstGeom>
+        </p:spPr>
+        <p:style>
+          <a:lnRef idx="2">
+            <a:schemeClr val="accent5"/>
+          </a:lnRef>
+          <a:fillRef idx="1">
+            <a:schemeClr val="lt1"/>
+          </a:fillRef>
+          <a:effectRef idx="0">
+            <a:schemeClr val="accent5"/>
+          </a:effectRef>
+          <a:fontRef idx="minor">
+            <a:schemeClr val="dk1"/>
+          </a:fontRef>
+        </p:style>
+        <p:txBody>
+          <a:bodyPr rtlCol="0" anchor="ctr"/>
+          <a:lstStyle/>
+          <a:p>
+            <a:pPr algn="ctr"/>
+            <a:r>
+              <a:rPr lang="en-US" dirty="0"/>
+              <a:t>Models</a:t>
+            </a:r>
+          </a:p>
+        </p:txBody>
+      </p:sp>
+      <p:sp>
+        <p:nvSpPr>
+          <p:cNvPr id="13" name="Rectangle: Rounded Corners 12">
+            <a:extLst>
+              <a:ext uri="{FF2B5EF4-FFF2-40B4-BE49-F238E27FC236}">
+                <a16:creationId xmlns:a16="http://schemas.microsoft.com/office/drawing/2014/main" id="{3CC92DC2-752E-4A66-B44D-B0D3D5CA1339}"/>
+              </a:ext>
+            </a:extLst>
+          </p:cNvPr>
+          <p:cNvSpPr/>
+          <p:nvPr/>
+        </p:nvSpPr>
+        <p:spPr>
+          <a:xfrm>
+            <a:off x="9656947" y="3648308"/>
+            <a:ext cx="1672689" cy="970156"/>
+          </a:xfrm>
+          <a:prstGeom prst="roundRect">
+            <a:avLst/>
+          </a:prstGeom>
+        </p:spPr>
+        <p:style>
+          <a:lnRef idx="2">
+            <a:schemeClr val="accent6"/>
+          </a:lnRef>
+          <a:fillRef idx="1">
+            <a:schemeClr val="lt1"/>
+          </a:fillRef>
+          <a:effectRef idx="0">
+            <a:schemeClr val="accent6"/>
+          </a:effectRef>
+          <a:fontRef idx="minor">
+            <a:schemeClr val="dk1"/>
+          </a:fontRef>
+        </p:style>
+        <p:txBody>
+          <a:bodyPr rtlCol="0" anchor="ctr"/>
+          <a:lstStyle/>
+          <a:p>
+            <a:pPr algn="ctr"/>
+            <a:r>
+              <a:rPr lang="en-US" dirty="0">
+                <a:solidFill>
+                  <a:schemeClr val="tx1"/>
+                </a:solidFill>
+              </a:rPr>
+              <a:t>Predicted Answers for Questionnaire</a:t>
+            </a:r>
+          </a:p>
+        </p:txBody>
+      </p:sp>
+      <p:sp>
+        <p:nvSpPr>
+          <p:cNvPr id="16" name="Arrow: Left 15">
+            <a:extLst>
+              <a:ext uri="{FF2B5EF4-FFF2-40B4-BE49-F238E27FC236}">
+                <a16:creationId xmlns:a16="http://schemas.microsoft.com/office/drawing/2014/main" id="{FBF9B934-F0A4-4927-999A-7676F1C80F4B}"/>
+              </a:ext>
+            </a:extLst>
+          </p:cNvPr>
+          <p:cNvSpPr/>
+          <p:nvPr/>
+        </p:nvSpPr>
+        <p:spPr>
+          <a:xfrm>
+            <a:off x="7889477" y="3882484"/>
+            <a:ext cx="1672689" cy="501804"/>
+          </a:xfrm>
+          <a:prstGeom prst="leftArrow">
             <a:avLst/>
           </a:prstGeom>
           <a:solidFill>
@@ -4618,17 +5589,17 @@
                   <a:schemeClr val="tx1"/>
                 </a:solidFill>
               </a:rPr>
-              <a:t>Manual Process</a:t>
-            </a:r>
-          </a:p>
-        </p:txBody>
-      </p:sp>
-      <p:sp>
-        <p:nvSpPr>
-          <p:cNvPr id="22" name="Rectangle: Rounded Corners 21">
-            <a:extLst>
-              <a:ext uri="{FF2B5EF4-FFF2-40B4-BE49-F238E27FC236}">
-                <a16:creationId xmlns:a16="http://schemas.microsoft.com/office/drawing/2014/main" id="{CA9614D0-267A-4305-B8FB-8731F6FF08F3}"/>
+              <a:t>Confirmation</a:t>
+            </a:r>
+          </a:p>
+        </p:txBody>
+      </p:sp>
+      <p:sp>
+        <p:nvSpPr>
+          <p:cNvPr id="17" name="Rectangle: Rounded Corners 16">
+            <a:extLst>
+              <a:ext uri="{FF2B5EF4-FFF2-40B4-BE49-F238E27FC236}">
+                <a16:creationId xmlns:a16="http://schemas.microsoft.com/office/drawing/2014/main" id="{477301F7-7617-4D04-9963-362E031A7B0C}"/>
               </a:ext>
             </a:extLst>
           </p:cNvPr>
@@ -4637,10 +5608,61 @@
         </p:nvSpPr>
         <p:spPr>
           <a:xfrm>
-            <a:off x="8759274" y="5642517"/>
-            <a:ext cx="2124316" cy="301083"/>
+            <a:off x="6122007" y="3650167"/>
+            <a:ext cx="1672689" cy="970156"/>
           </a:xfrm>
           <a:prstGeom prst="roundRect">
+            <a:avLst/>
+          </a:prstGeom>
+        </p:spPr>
+        <p:style>
+          <a:lnRef idx="2">
+            <a:schemeClr val="accent6"/>
+          </a:lnRef>
+          <a:fillRef idx="1">
+            <a:schemeClr val="lt1"/>
+          </a:fillRef>
+          <a:effectRef idx="0">
+            <a:schemeClr val="accent6"/>
+          </a:effectRef>
+          <a:fontRef idx="minor">
+            <a:schemeClr val="dk1"/>
+          </a:fontRef>
+        </p:style>
+        <p:txBody>
+          <a:bodyPr rtlCol="0" anchor="ctr"/>
+          <a:lstStyle/>
+          <a:p>
+            <a:pPr algn="ctr"/>
+            <a:r>
+              <a:rPr lang="en-US" dirty="0">
+                <a:solidFill>
+                  <a:schemeClr val="tx1"/>
+                </a:solidFill>
+              </a:rPr>
+              <a:t>Confirmed Answers for Questionnaire</a:t>
+            </a:r>
+          </a:p>
+        </p:txBody>
+      </p:sp>
+      <p:sp>
+        <p:nvSpPr>
+          <p:cNvPr id="18" name="Arrow: Left 17">
+            <a:extLst>
+              <a:ext uri="{FF2B5EF4-FFF2-40B4-BE49-F238E27FC236}">
+                <a16:creationId xmlns:a16="http://schemas.microsoft.com/office/drawing/2014/main" id="{806F3B6E-2497-4120-92FD-104195679653}"/>
+              </a:ext>
+            </a:extLst>
+          </p:cNvPr>
+          <p:cNvSpPr/>
+          <p:nvPr/>
+        </p:nvSpPr>
+        <p:spPr>
+          <a:xfrm>
+            <a:off x="4354537" y="3882484"/>
+            <a:ext cx="1672689" cy="501804"/>
+          </a:xfrm>
+          <a:prstGeom prst="leftArrow">
             <a:avLst/>
           </a:prstGeom>
           <a:noFill/>
@@ -4677,6 +5699,177 @@
                   <a:schemeClr val="tx1"/>
                 </a:solidFill>
               </a:rPr>
+              <a:t>Logic Diagram</a:t>
+            </a:r>
+          </a:p>
+        </p:txBody>
+      </p:sp>
+      <p:sp>
+        <p:nvSpPr>
+          <p:cNvPr id="19" name="Rectangle: Rounded Corners 18">
+            <a:extLst>
+              <a:ext uri="{FF2B5EF4-FFF2-40B4-BE49-F238E27FC236}">
+                <a16:creationId xmlns:a16="http://schemas.microsoft.com/office/drawing/2014/main" id="{FF3D199E-127F-4D92-9CBE-6C8A91377EE9}"/>
+              </a:ext>
+            </a:extLst>
+          </p:cNvPr>
+          <p:cNvSpPr/>
+          <p:nvPr/>
+        </p:nvSpPr>
+        <p:spPr>
+          <a:xfrm>
+            <a:off x="2243255" y="3648308"/>
+            <a:ext cx="2016502" cy="970156"/>
+          </a:xfrm>
+          <a:prstGeom prst="roundRect">
+            <a:avLst/>
+          </a:prstGeom>
+        </p:spPr>
+        <p:style>
+          <a:lnRef idx="2">
+            <a:schemeClr val="accent6"/>
+          </a:lnRef>
+          <a:fillRef idx="1">
+            <a:schemeClr val="lt1"/>
+          </a:fillRef>
+          <a:effectRef idx="0">
+            <a:schemeClr val="accent6"/>
+          </a:effectRef>
+          <a:fontRef idx="minor">
+            <a:schemeClr val="dk1"/>
+          </a:fontRef>
+        </p:style>
+        <p:txBody>
+          <a:bodyPr rtlCol="0" anchor="ctr"/>
+          <a:lstStyle/>
+          <a:p>
+            <a:pPr algn="ctr"/>
+            <a:r>
+              <a:rPr lang="en-US" dirty="0">
+                <a:solidFill>
+                  <a:schemeClr val="tx1"/>
+                </a:solidFill>
+              </a:rPr>
+              <a:t>Recommendation</a:t>
+            </a:r>
+          </a:p>
+        </p:txBody>
+      </p:sp>
+      <p:sp>
+        <p:nvSpPr>
+          <p:cNvPr id="21" name="Rectangle: Rounded Corners 20">
+            <a:extLst>
+              <a:ext uri="{FF2B5EF4-FFF2-40B4-BE49-F238E27FC236}">
+                <a16:creationId xmlns:a16="http://schemas.microsoft.com/office/drawing/2014/main" id="{8ADC71BF-8043-4345-AA3A-5554EA93A413}"/>
+              </a:ext>
+            </a:extLst>
+          </p:cNvPr>
+          <p:cNvSpPr/>
+          <p:nvPr/>
+        </p:nvSpPr>
+        <p:spPr>
+          <a:xfrm>
+            <a:off x="6724185" y="5642517"/>
+            <a:ext cx="1795346" cy="301083"/>
+          </a:xfrm>
+          <a:prstGeom prst="roundRect">
+            <a:avLst/>
+          </a:prstGeom>
+          <a:solidFill>
+            <a:srgbClr val="FFC000"/>
+          </a:solidFill>
+          <a:ln>
+            <a:solidFill>
+              <a:srgbClr val="FFC000"/>
+            </a:solidFill>
+          </a:ln>
+        </p:spPr>
+        <p:style>
+          <a:lnRef idx="2">
+            <a:schemeClr val="accent1">
+              <a:shade val="50000"/>
+            </a:schemeClr>
+          </a:lnRef>
+          <a:fillRef idx="1">
+            <a:schemeClr val="accent1"/>
+          </a:fillRef>
+          <a:effectRef idx="0">
+            <a:schemeClr val="accent1"/>
+          </a:effectRef>
+          <a:fontRef idx="minor">
+            <a:schemeClr val="lt1"/>
+          </a:fontRef>
+        </p:style>
+        <p:txBody>
+          <a:bodyPr rtlCol="0" anchor="ctr"/>
+          <a:lstStyle/>
+          <a:p>
+            <a:pPr algn="ctr"/>
+            <a:r>
+              <a:rPr lang="en-US" dirty="0">
+                <a:solidFill>
+                  <a:schemeClr val="tx1"/>
+                </a:solidFill>
+              </a:rPr>
+              <a:t>Manual Process</a:t>
+            </a:r>
+          </a:p>
+        </p:txBody>
+      </p:sp>
+      <p:sp>
+        <p:nvSpPr>
+          <p:cNvPr id="22" name="Rectangle: Rounded Corners 21">
+            <a:extLst>
+              <a:ext uri="{FF2B5EF4-FFF2-40B4-BE49-F238E27FC236}">
+                <a16:creationId xmlns:a16="http://schemas.microsoft.com/office/drawing/2014/main" id="{CA9614D0-267A-4305-B8FB-8731F6FF08F3}"/>
+              </a:ext>
+            </a:extLst>
+          </p:cNvPr>
+          <p:cNvSpPr/>
+          <p:nvPr/>
+        </p:nvSpPr>
+        <p:spPr>
+          <a:xfrm>
+            <a:off x="8759274" y="5642517"/>
+            <a:ext cx="2124316" cy="301083"/>
+          </a:xfrm>
+          <a:prstGeom prst="roundRect">
+            <a:avLst/>
+          </a:prstGeom>
+          <a:noFill/>
+          <a:ln>
+            <a:solidFill>
+              <a:schemeClr val="accent1"/>
+            </a:solidFill>
+          </a:ln>
+        </p:spPr>
+        <p:style>
+          <a:lnRef idx="2">
+            <a:schemeClr val="accent1">
+              <a:shade val="50000"/>
+            </a:schemeClr>
+          </a:lnRef>
+          <a:fillRef idx="1">
+            <a:schemeClr val="accent1"/>
+          </a:fillRef>
+          <a:effectRef idx="0">
+            <a:schemeClr val="accent1"/>
+          </a:effectRef>
+          <a:fontRef idx="minor">
+            <a:schemeClr val="lt1"/>
+          </a:fontRef>
+        </p:style>
+        <p:txBody>
+          <a:bodyPr rtlCol="0" anchor="ctr"/>
+          <a:lstStyle/>
+          <a:p>
+            <a:pPr algn="ctr"/>
+            <a:r>
+              <a:rPr lang="en-US" dirty="0">
+                <a:solidFill>
+                  <a:schemeClr val="tx1"/>
+                </a:solidFill>
+              </a:rPr>
               <a:t>Automated Process</a:t>
             </a:r>
           </a:p>
@@ -4713,7 +5906,43 @@
             <a:pPr algn="ctr"/>
             <a:r>
               <a:rPr lang="en-US" sz="1400" dirty="0"/>
-              <a:t>80% reduced number of clicks</a:t>
+              <a:t>75% reduced number of clicks</a:t>
+            </a:r>
+          </a:p>
+        </p:txBody>
+      </p:sp>
+      <p:sp>
+        <p:nvSpPr>
+          <p:cNvPr id="20" name="TextBox 19">
+            <a:extLst>
+              <a:ext uri="{FF2B5EF4-FFF2-40B4-BE49-F238E27FC236}">
+                <a16:creationId xmlns:a16="http://schemas.microsoft.com/office/drawing/2014/main" id="{394398F2-890F-4689-848A-A74421129B70}"/>
+              </a:ext>
+            </a:extLst>
+          </p:cNvPr>
+          <p:cNvSpPr txBox="1"/>
+          <p:nvPr/>
+        </p:nvSpPr>
+        <p:spPr>
+          <a:xfrm>
+            <a:off x="9732223" y="4607270"/>
+            <a:ext cx="1561171" cy="738664"/>
+          </a:xfrm>
+          <a:prstGeom prst="rect">
+            <a:avLst/>
+          </a:prstGeom>
+          <a:noFill/>
+        </p:spPr>
+        <p:txBody>
+          <a:bodyPr wrap="square" rtlCol="0">
+            <a:spAutoFit/>
+          </a:bodyPr>
+          <a:lstStyle/>
+          <a:p>
+            <a:pPr algn="ctr"/>
+            <a:r>
+              <a:rPr lang="en-US" sz="1400" dirty="0"/>
+              <a:t>75% accuracy to predict indication for cervical fusion</a:t>
             </a:r>
           </a:p>
         </p:txBody>
@@ -4722,6 +5951,345 @@
     <p:extLst>
       <p:ext uri="{BB962C8B-B14F-4D97-AF65-F5344CB8AC3E}">
         <p14:creationId xmlns:p14="http://schemas.microsoft.com/office/powerpoint/2010/main" val="3651749333"/>
+      </p:ext>
+    </p:extLst>
+  </p:cSld>
+  <p:clrMapOvr>
+    <a:masterClrMapping/>
+  </p:clrMapOvr>
+</p:sld>
+</file>
+
+<file path=ppt/slides/slide6.xml><?xml version="1.0" encoding="utf-8"?>
+<p:sld xmlns:a="http://schemas.openxmlformats.org/drawingml/2006/main" xmlns:r="http://schemas.openxmlformats.org/officeDocument/2006/relationships" xmlns:p="http://schemas.openxmlformats.org/presentationml/2006/main">
+  <p:cSld>
+    <p:bg>
+      <p:bgPr>
+        <a:solidFill>
+          <a:schemeClr val="bg1"/>
+        </a:solidFill>
+        <a:effectLst/>
+      </p:bgPr>
+    </p:bg>
+    <p:spTree>
+      <p:nvGrpSpPr>
+        <p:cNvPr id="1" name=""/>
+        <p:cNvGrpSpPr/>
+        <p:nvPr/>
+      </p:nvGrpSpPr>
+      <p:grpSpPr>
+        <a:xfrm>
+          <a:off x="0" y="0"/>
+          <a:ext cx="0" cy="0"/>
+          <a:chOff x="0" y="0"/>
+          <a:chExt cx="0" cy="0"/>
+        </a:xfrm>
+      </p:grpSpPr>
+      <p:pic>
+        <p:nvPicPr>
+          <p:cNvPr id="8" name="Content Placeholder 4" descr="A screenshot of a social media post&#10;&#10;Description generated with very high confidence">
+            <a:extLst>
+              <a:ext uri="{FF2B5EF4-FFF2-40B4-BE49-F238E27FC236}">
+                <a16:creationId xmlns:a16="http://schemas.microsoft.com/office/drawing/2014/main" id="{19F6102A-5545-48EB-95F7-A590AD4C9F27}"/>
+              </a:ext>
+            </a:extLst>
+          </p:cNvPr>
+          <p:cNvPicPr>
+            <a:picLocks noChangeAspect="1"/>
+          </p:cNvPicPr>
+          <p:nvPr/>
+        </p:nvPicPr>
+        <p:blipFill rotWithShape="1">
+          <a:blip r:embed="rId2">
+            <a:extLst>
+              <a:ext uri="{28A0092B-C50C-407E-A947-70E740481C1C}">
+                <a14:useLocalDpi xmlns:a14="http://schemas.microsoft.com/office/drawing/2010/main" val="0"/>
+              </a:ext>
+            </a:extLst>
+          </a:blip>
+          <a:srcRect b="10714"/>
+          <a:stretch/>
+        </p:blipFill>
+        <p:spPr>
+          <a:xfrm>
+            <a:off x="-1" y="10"/>
+            <a:ext cx="12192000" cy="6857990"/>
+          </a:xfrm>
+          <a:prstGeom prst="rect">
+            <a:avLst/>
+          </a:prstGeom>
+        </p:spPr>
+      </p:pic>
+      <p:sp>
+        <p:nvSpPr>
+          <p:cNvPr id="13" name="Freeform 5">
+            <a:extLst>
+              <a:ext uri="{FF2B5EF4-FFF2-40B4-BE49-F238E27FC236}">
+                <a16:creationId xmlns:a16="http://schemas.microsoft.com/office/drawing/2014/main" id="{3CD9DF72-87A3-404E-A828-84CBF11A8303}"/>
+              </a:ext>
+              <a:ext uri="{C183D7F6-B498-43B3-948B-1728B52AA6E4}">
+                <adec:decorative xmlns:adec="http://schemas.microsoft.com/office/drawing/2017/decorative" val="1"/>
+              </a:ext>
+            </a:extLst>
+          </p:cNvPr>
+          <p:cNvSpPr>
+            <a:spLocks noGrp="1" noRot="1" noChangeAspect="1" noMove="1" noResize="1" noEditPoints="1" noAdjustHandles="1" noChangeArrowheads="1" noChangeShapeType="1" noTextEdit="1"/>
+          </p:cNvSpPr>
+          <p:nvPr>
+            <p:extLst>
+              <p:ext uri="{386F3935-93C4-4BCD-93E2-E3B085C9AB24}">
+                <p16:designElem xmlns:p16="http://schemas.microsoft.com/office/powerpoint/2015/main" val="1"/>
+              </p:ext>
+            </p:extLst>
+          </p:nvPr>
+        </p:nvSpPr>
+        <p:spPr bwMode="grayWhite">
+          <a:xfrm flipH="1">
+            <a:off x="0" y="998175"/>
+            <a:ext cx="6017172" cy="5859825"/>
+          </a:xfrm>
+          <a:custGeom>
+            <a:avLst/>
+            <a:gdLst>
+              <a:gd name="T0" fmla="*/ 1333 w 1333"/>
+              <a:gd name="T1" fmla="*/ 1031 h 1298"/>
+              <a:gd name="T2" fmla="*/ 1333 w 1333"/>
+              <a:gd name="T3" fmla="*/ 380 h 1298"/>
+              <a:gd name="T4" fmla="*/ 706 w 1333"/>
+              <a:gd name="T5" fmla="*/ 0 h 1298"/>
+              <a:gd name="T6" fmla="*/ 0 w 1333"/>
+              <a:gd name="T7" fmla="*/ 706 h 1298"/>
+              <a:gd name="T8" fmla="*/ 323 w 1333"/>
+              <a:gd name="T9" fmla="*/ 1298 h 1298"/>
+              <a:gd name="T10" fmla="*/ 1090 w 1333"/>
+              <a:gd name="T11" fmla="*/ 1298 h 1298"/>
+              <a:gd name="T12" fmla="*/ 1333 w 1333"/>
+              <a:gd name="T13" fmla="*/ 1031 h 1298"/>
+            </a:gdLst>
+            <a:ahLst/>
+            <a:cxnLst>
+              <a:cxn ang="0">
+                <a:pos x="T0" y="T1"/>
+              </a:cxn>
+              <a:cxn ang="0">
+                <a:pos x="T2" y="T3"/>
+              </a:cxn>
+              <a:cxn ang="0">
+                <a:pos x="T4" y="T5"/>
+              </a:cxn>
+              <a:cxn ang="0">
+                <a:pos x="T6" y="T7"/>
+              </a:cxn>
+              <a:cxn ang="0">
+                <a:pos x="T8" y="T9"/>
+              </a:cxn>
+              <a:cxn ang="0">
+                <a:pos x="T10" y="T11"/>
+              </a:cxn>
+              <a:cxn ang="0">
+                <a:pos x="T12" y="T13"/>
+              </a:cxn>
+            </a:cxnLst>
+            <a:rect l="0" t="0" r="r" b="b"/>
+            <a:pathLst>
+              <a:path w="1333" h="1298">
+                <a:moveTo>
+                  <a:pt x="1333" y="1031"/>
+                </a:moveTo>
+                <a:cubicBezTo>
+                  <a:pt x="1333" y="380"/>
+                  <a:pt x="1333" y="380"/>
+                  <a:pt x="1333" y="380"/>
+                </a:cubicBezTo>
+                <a:cubicBezTo>
+                  <a:pt x="1215" y="154"/>
+                  <a:pt x="979" y="0"/>
+                  <a:pt x="706" y="0"/>
+                </a:cubicBezTo>
+                <a:cubicBezTo>
+                  <a:pt x="317" y="0"/>
+                  <a:pt x="0" y="316"/>
+                  <a:pt x="0" y="706"/>
+                </a:cubicBezTo>
+                <a:cubicBezTo>
+                  <a:pt x="0" y="954"/>
+                  <a:pt x="129" y="1172"/>
+                  <a:pt x="323" y="1298"/>
+                </a:cubicBezTo>
+                <a:cubicBezTo>
+                  <a:pt x="1090" y="1298"/>
+                  <a:pt x="1090" y="1298"/>
+                  <a:pt x="1090" y="1298"/>
+                </a:cubicBezTo>
+                <a:cubicBezTo>
+                  <a:pt x="1193" y="1232"/>
+                  <a:pt x="1276" y="1140"/>
+                  <a:pt x="1333" y="1031"/>
+                </a:cubicBezTo>
+                <a:close/>
+              </a:path>
+            </a:pathLst>
+          </a:custGeom>
+          <a:solidFill>
+            <a:schemeClr val="bg1">
+              <a:alpha val="75000"/>
+            </a:schemeClr>
+          </a:solidFill>
+          <a:ln w="50800" cap="sq" cmpd="dbl">
+            <a:noFill/>
+            <a:miter lim="800000"/>
+          </a:ln>
+          <a:effectLst/>
+        </p:spPr>
+        <p:txBody>
+          <a:bodyPr vert="horz" lIns="91440" tIns="45720" rIns="91440" bIns="45720" rtlCol="0" anchor="t">
+            <a:normAutofit/>
+          </a:bodyPr>
+          <a:lstStyle/>
+          <a:p>
+            <a:pPr algn="ctr">
+              <a:spcAft>
+                <a:spcPts val="1000"/>
+              </a:spcAft>
+              <a:buClr>
+                <a:schemeClr val="tx1"/>
+              </a:buClr>
+              <a:buSzPct val="100000"/>
+              <a:buFont typeface="Arial"/>
+              <a:buNone/>
+            </a:pPr>
+            <a:endParaRPr lang="en-US" sz="1600" cap="all"/>
+          </a:p>
+        </p:txBody>
+      </p:sp>
+      <p:cxnSp>
+        <p:nvCxnSpPr>
+          <p:cNvPr id="15" name="Straight Connector 14">
+            <a:extLst>
+              <a:ext uri="{FF2B5EF4-FFF2-40B4-BE49-F238E27FC236}">
+                <a16:creationId xmlns:a16="http://schemas.microsoft.com/office/drawing/2014/main" id="{20E3A342-4D61-4E3F-AF90-1AB42AEB96CC}"/>
+              </a:ext>
+              <a:ext uri="{C183D7F6-B498-43B3-948B-1728B52AA6E4}">
+                <adec:decorative xmlns:adec="http://schemas.microsoft.com/office/drawing/2017/decorative" val="1"/>
+              </a:ext>
+            </a:extLst>
+          </p:cNvPr>
+          <p:cNvCxnSpPr>
+            <a:cxnSpLocks noGrp="1" noRot="1" noChangeAspect="1" noMove="1" noResize="1" noEditPoints="1" noAdjustHandles="1" noChangeArrowheads="1" noChangeShapeType="1"/>
+          </p:cNvCxnSpPr>
+          <p:nvPr>
+            <p:extLst>
+              <p:ext uri="{386F3935-93C4-4BCD-93E2-E3B085C9AB24}">
+                <p16:designElem xmlns:p16="http://schemas.microsoft.com/office/powerpoint/2015/main" val="1"/>
+              </p:ext>
+            </p:extLst>
+          </p:nvPr>
+        </p:nvCxnSpPr>
+        <p:spPr>
+          <a:xfrm>
+            <a:off x="2287051" y="3337139"/>
+            <a:ext cx="935420" cy="0"/>
+          </a:xfrm>
+          <a:prstGeom prst="line">
+            <a:avLst/>
+          </a:prstGeom>
+          <a:ln w="25400" cap="sq">
+            <a:solidFill>
+              <a:schemeClr val="tx1">
+                <a:lumMod val="85000"/>
+                <a:lumOff val="15000"/>
+              </a:schemeClr>
+            </a:solidFill>
+            <a:bevel/>
+          </a:ln>
+        </p:spPr>
+        <p:style>
+          <a:lnRef idx="1">
+            <a:schemeClr val="accent1"/>
+          </a:lnRef>
+          <a:fillRef idx="0">
+            <a:schemeClr val="accent1"/>
+          </a:fillRef>
+          <a:effectRef idx="0">
+            <a:schemeClr val="accent1"/>
+          </a:effectRef>
+          <a:fontRef idx="minor">
+            <a:schemeClr val="tx1"/>
+          </a:fontRef>
+        </p:style>
+      </p:cxnSp>
+      <p:sp>
+        <p:nvSpPr>
+          <p:cNvPr id="10" name="Content Placeholder 9">
+            <a:extLst>
+              <a:ext uri="{FF2B5EF4-FFF2-40B4-BE49-F238E27FC236}">
+                <a16:creationId xmlns:a16="http://schemas.microsoft.com/office/drawing/2014/main" id="{3D3038E0-39C4-4241-83BB-14F37E1E3092}"/>
+              </a:ext>
+            </a:extLst>
+          </p:cNvPr>
+          <p:cNvSpPr>
+            <a:spLocks noGrp="1"/>
+          </p:cNvSpPr>
+          <p:nvPr>
+            <p:ph idx="1"/>
+          </p:nvPr>
+        </p:nvSpPr>
+        <p:spPr>
+          <a:xfrm>
+            <a:off x="525516" y="3417573"/>
+            <a:ext cx="4593021" cy="2619839"/>
+          </a:xfrm>
+        </p:spPr>
+        <p:txBody>
+          <a:bodyPr anchor="ctr">
+            <a:normAutofit/>
+          </a:bodyPr>
+          <a:lstStyle/>
+          <a:p>
+            <a:pPr marL="0" indent="0">
+              <a:buNone/>
+            </a:pPr>
+            <a:r>
+              <a:rPr lang="en-US" sz="1800" dirty="0"/>
+              <a:t>Check out our work on GitHub!</a:t>
+            </a:r>
+          </a:p>
+          <a:p>
+            <a:pPr marL="0" indent="0">
+              <a:buNone/>
+            </a:pPr>
+            <a:endParaRPr lang="en-US" sz="1800" dirty="0"/>
+          </a:p>
+          <a:p>
+            <a:pPr marL="0" indent="0">
+              <a:buNone/>
+            </a:pPr>
+            <a:r>
+              <a:rPr lang="en-US" sz="1800" dirty="0">
+                <a:hlinkClick r:id="rId3"/>
+              </a:rPr>
+              <a:t>https://github.com/MGH-LMIC/PDS_public</a:t>
+            </a:r>
+            <a:endParaRPr lang="en-US" sz="1800" dirty="0"/>
+          </a:p>
+          <a:p>
+            <a:pPr marL="0" indent="0">
+              <a:buNone/>
+            </a:pPr>
+            <a:endParaRPr lang="en-US" sz="1800" dirty="0"/>
+          </a:p>
+          <a:p>
+            <a:pPr marL="0" indent="0">
+              <a:buNone/>
+            </a:pPr>
+            <a:endParaRPr lang="en-US" sz="1800" dirty="0"/>
+          </a:p>
+        </p:txBody>
+      </p:sp>
+    </p:spTree>
+    <p:extLst>
+      <p:ext uri="{BB962C8B-B14F-4D97-AF65-F5344CB8AC3E}">
+        <p14:creationId xmlns:p14="http://schemas.microsoft.com/office/powerpoint/2010/main" val="3302085143"/>
       </p:ext>
     </p:extLst>
   </p:cSld>
@@ -5024,4 +6592,299 @@
     </a:ext>
   </a:extLst>
 </a:theme>
+</file>
+
+<file path=ppt/theme/theme2.xml><?xml version="1.0" encoding="utf-8"?>
+<a:theme xmlns:a="http://schemas.openxmlformats.org/drawingml/2006/main" name="Office Theme">
+  <a:themeElements>
+    <a:clrScheme name="Office">
+      <a:dk1>
+        <a:sysClr val="windowText" lastClr="000000"/>
+      </a:dk1>
+      <a:lt1>
+        <a:sysClr val="window" lastClr="FFFFFF"/>
+      </a:lt1>
+      <a:dk2>
+        <a:srgbClr val="44546A"/>
+      </a:dk2>
+      <a:lt2>
+        <a:srgbClr val="E7E6E6"/>
+      </a:lt2>
+      <a:accent1>
+        <a:srgbClr val="4472C4"/>
+      </a:accent1>
+      <a:accent2>
+        <a:srgbClr val="ED7D31"/>
+      </a:accent2>
+      <a:accent3>
+        <a:srgbClr val="A5A5A5"/>
+      </a:accent3>
+      <a:accent4>
+        <a:srgbClr val="FFC000"/>
+      </a:accent4>
+      <a:accent5>
+        <a:srgbClr val="5B9BD5"/>
+      </a:accent5>
+      <a:accent6>
+        <a:srgbClr val="70AD47"/>
+      </a:accent6>
+      <a:hlink>
+        <a:srgbClr val="0563C1"/>
+      </a:hlink>
+      <a:folHlink>
+        <a:srgbClr val="954F72"/>
+      </a:folHlink>
+    </a:clrScheme>
+    <a:fontScheme name="Office">
+      <a:majorFont>
+        <a:latin typeface="Calibri Light" panose="020F0302020204030204"/>
+        <a:ea typeface=""/>
+        <a:cs typeface=""/>
+        <a:font script="Jpan" typeface="游ゴシック Light"/>
+        <a:font script="Hang" typeface="맑은 고딕"/>
+        <a:font script="Hans" typeface="等线 Light"/>
+        <a:font script="Hant" typeface="新細明體"/>
+        <a:font script="Arab" typeface="Times New Roman"/>
+        <a:font script="Hebr" typeface="Times New Roman"/>
+        <a:font script="Thai" typeface="Angsana New"/>
+        <a:font script="Ethi" typeface="Nyala"/>
+        <a:font script="Beng" typeface="Vrinda"/>
+        <a:font script="Gujr" typeface="Shruti"/>
+        <a:font script="Khmr" typeface="MoolBoran"/>
+        <a:font script="Knda" typeface="Tunga"/>
+        <a:font script="Guru" typeface="Raavi"/>
+        <a:font script="Cans" typeface="Euphemia"/>
+        <a:font script="Cher" typeface="Plantagenet Cherokee"/>
+        <a:font script="Yiii" typeface="Microsoft Yi Baiti"/>
+        <a:font script="Tibt" typeface="Microsoft Himalaya"/>
+        <a:font script="Thaa" typeface="MV Boli"/>
+        <a:font script="Deva" typeface="Mangal"/>
+        <a:font script="Telu" typeface="Gautami"/>
+        <a:font script="Taml" typeface="Latha"/>
+        <a:font script="Syrc" typeface="Estrangelo Edessa"/>
+        <a:font script="Orya" typeface="Kalinga"/>
+        <a:font script="Mlym" typeface="Kartika"/>
+        <a:font script="Laoo" typeface="DokChampa"/>
+        <a:font script="Sinh" typeface="Iskoola Pota"/>
+        <a:font script="Mong" typeface="Mongolian Baiti"/>
+        <a:font script="Viet" typeface="Times New Roman"/>
+        <a:font script="Uigh" typeface="Microsoft Uighur"/>
+        <a:font script="Geor" typeface="Sylfaen"/>
+        <a:font script="Armn" typeface="Arial"/>
+        <a:font script="Bugi" typeface="Leelawadee UI"/>
+        <a:font script="Bopo" typeface="Microsoft JhengHei"/>
+        <a:font script="Java" typeface="Javanese Text"/>
+        <a:font script="Lisu" typeface="Segoe UI"/>
+        <a:font script="Mymr" typeface="Myanmar Text"/>
+        <a:font script="Nkoo" typeface="Ebrima"/>
+        <a:font script="Olck" typeface="Nirmala UI"/>
+        <a:font script="Osma" typeface="Ebrima"/>
+        <a:font script="Phag" typeface="Phagspa"/>
+        <a:font script="Syrn" typeface="Estrangelo Edessa"/>
+        <a:font script="Syrj" typeface="Estrangelo Edessa"/>
+        <a:font script="Syre" typeface="Estrangelo Edessa"/>
+        <a:font script="Sora" typeface="Nirmala UI"/>
+        <a:font script="Tale" typeface="Microsoft Tai Le"/>
+        <a:font script="Talu" typeface="Microsoft New Tai Lue"/>
+        <a:font script="Tfng" typeface="Ebrima"/>
+      </a:majorFont>
+      <a:minorFont>
+        <a:latin typeface="Calibri" panose="020F0502020204030204"/>
+        <a:ea typeface=""/>
+        <a:cs typeface=""/>
+        <a:font script="Jpan" typeface="游ゴシック"/>
+        <a:font script="Hang" typeface="맑은 고딕"/>
+        <a:font script="Hans" typeface="等线"/>
+        <a:font script="Hant" typeface="新細明體"/>
+        <a:font script="Arab" typeface="Arial"/>
+        <a:font script="Hebr" typeface="Arial"/>
+        <a:font script="Thai" typeface="Cordia New"/>
+        <a:font script="Ethi" typeface="Nyala"/>
+        <a:font script="Beng" typeface="Vrinda"/>
+        <a:font script="Gujr" typeface="Shruti"/>
+        <a:font script="Khmr" typeface="DaunPenh"/>
+        <a:font script="Knda" typeface="Tunga"/>
+        <a:font script="Guru" typeface="Raavi"/>
+        <a:font script="Cans" typeface="Euphemia"/>
+        <a:font script="Cher" typeface="Plantagenet Cherokee"/>
+        <a:font script="Yiii" typeface="Microsoft Yi Baiti"/>
+        <a:font script="Tibt" typeface="Microsoft Himalaya"/>
+        <a:font script="Thaa" typeface="MV Boli"/>
+        <a:font script="Deva" typeface="Mangal"/>
+        <a:font script="Telu" typeface="Gautami"/>
+        <a:font script="Taml" typeface="Latha"/>
+        <a:font script="Syrc" typeface="Estrangelo Edessa"/>
+        <a:font script="Orya" typeface="Kalinga"/>
+        <a:font script="Mlym" typeface="Kartika"/>
+        <a:font script="Laoo" typeface="DokChampa"/>
+        <a:font script="Sinh" typeface="Iskoola Pota"/>
+        <a:font script="Mong" typeface="Mongolian Baiti"/>
+        <a:font script="Viet" typeface="Arial"/>
+        <a:font script="Uigh" typeface="Microsoft Uighur"/>
+        <a:font script="Geor" typeface="Sylfaen"/>
+        <a:font script="Armn" typeface="Arial"/>
+        <a:font script="Bugi" typeface="Leelawadee UI"/>
+        <a:font script="Bopo" typeface="Microsoft JhengHei"/>
+        <a:font script="Java" typeface="Javanese Text"/>
+        <a:font script="Lisu" typeface="Segoe UI"/>
+        <a:font script="Mymr" typeface="Myanmar Text"/>
+        <a:font script="Nkoo" typeface="Ebrima"/>
+        <a:font script="Olck" typeface="Nirmala UI"/>
+        <a:font script="Osma" typeface="Ebrima"/>
+        <a:font script="Phag" typeface="Phagspa"/>
+        <a:font script="Syrn" typeface="Estrangelo Edessa"/>
+        <a:font script="Syrj" typeface="Estrangelo Edessa"/>
+        <a:font script="Syre" typeface="Estrangelo Edessa"/>
+        <a:font script="Sora" typeface="Nirmala UI"/>
+        <a:font script="Tale" typeface="Microsoft Tai Le"/>
+        <a:font script="Talu" typeface="Microsoft New Tai Lue"/>
+        <a:font script="Tfng" typeface="Ebrima"/>
+      </a:minorFont>
+    </a:fontScheme>
+    <a:fmtScheme name="Office">
+      <a:fillStyleLst>
+        <a:solidFill>
+          <a:schemeClr val="phClr"/>
+        </a:solidFill>
+        <a:gradFill rotWithShape="1">
+          <a:gsLst>
+            <a:gs pos="0">
+              <a:schemeClr val="phClr">
+                <a:lumMod val="110000"/>
+                <a:satMod val="105000"/>
+                <a:tint val="67000"/>
+              </a:schemeClr>
+            </a:gs>
+            <a:gs pos="50000">
+              <a:schemeClr val="phClr">
+                <a:lumMod val="105000"/>
+                <a:satMod val="103000"/>
+                <a:tint val="73000"/>
+              </a:schemeClr>
+            </a:gs>
+            <a:gs pos="100000">
+              <a:schemeClr val="phClr">
+                <a:lumMod val="105000"/>
+                <a:satMod val="109000"/>
+                <a:tint val="81000"/>
+              </a:schemeClr>
+            </a:gs>
+          </a:gsLst>
+          <a:lin ang="5400000" scaled="0"/>
+        </a:gradFill>
+        <a:gradFill rotWithShape="1">
+          <a:gsLst>
+            <a:gs pos="0">
+              <a:schemeClr val="phClr">
+                <a:satMod val="103000"/>
+                <a:lumMod val="102000"/>
+                <a:tint val="94000"/>
+              </a:schemeClr>
+            </a:gs>
+            <a:gs pos="50000">
+              <a:schemeClr val="phClr">
+                <a:satMod val="110000"/>
+                <a:lumMod val="100000"/>
+                <a:shade val="100000"/>
+              </a:schemeClr>
+            </a:gs>
+            <a:gs pos="100000">
+              <a:schemeClr val="phClr">
+                <a:lumMod val="99000"/>
+                <a:satMod val="120000"/>
+                <a:shade val="78000"/>
+              </a:schemeClr>
+            </a:gs>
+          </a:gsLst>
+          <a:lin ang="5400000" scaled="0"/>
+        </a:gradFill>
+      </a:fillStyleLst>
+      <a:lnStyleLst>
+        <a:ln w="6350" cap="flat" cmpd="sng" algn="ctr">
+          <a:solidFill>
+            <a:schemeClr val="phClr"/>
+          </a:solidFill>
+          <a:prstDash val="solid"/>
+          <a:miter lim="800000"/>
+        </a:ln>
+        <a:ln w="12700" cap="flat" cmpd="sng" algn="ctr">
+          <a:solidFill>
+            <a:schemeClr val="phClr"/>
+          </a:solidFill>
+          <a:prstDash val="solid"/>
+          <a:miter lim="800000"/>
+        </a:ln>
+        <a:ln w="19050" cap="flat" cmpd="sng" algn="ctr">
+          <a:solidFill>
+            <a:schemeClr val="phClr"/>
+          </a:solidFill>
+          <a:prstDash val="solid"/>
+          <a:miter lim="800000"/>
+        </a:ln>
+      </a:lnStyleLst>
+      <a:effectStyleLst>
+        <a:effectStyle>
+          <a:effectLst/>
+        </a:effectStyle>
+        <a:effectStyle>
+          <a:effectLst/>
+        </a:effectStyle>
+        <a:effectStyle>
+          <a:effectLst>
+            <a:outerShdw blurRad="57150" dist="19050" dir="5400000" algn="ctr" rotWithShape="0">
+              <a:srgbClr val="000000">
+                <a:alpha val="63000"/>
+              </a:srgbClr>
+            </a:outerShdw>
+          </a:effectLst>
+        </a:effectStyle>
+      </a:effectStyleLst>
+      <a:bgFillStyleLst>
+        <a:solidFill>
+          <a:schemeClr val="phClr"/>
+        </a:solidFill>
+        <a:solidFill>
+          <a:schemeClr val="phClr">
+            <a:tint val="95000"/>
+            <a:satMod val="170000"/>
+          </a:schemeClr>
+        </a:solidFill>
+        <a:gradFill rotWithShape="1">
+          <a:gsLst>
+            <a:gs pos="0">
+              <a:schemeClr val="phClr">
+                <a:tint val="93000"/>
+                <a:satMod val="150000"/>
+                <a:shade val="98000"/>
+                <a:lumMod val="102000"/>
+              </a:schemeClr>
+            </a:gs>
+            <a:gs pos="50000">
+              <a:schemeClr val="phClr">
+                <a:tint val="98000"/>
+                <a:satMod val="130000"/>
+                <a:shade val="90000"/>
+                <a:lumMod val="103000"/>
+              </a:schemeClr>
+            </a:gs>
+            <a:gs pos="100000">
+              <a:schemeClr val="phClr">
+                <a:shade val="63000"/>
+                <a:satMod val="120000"/>
+              </a:schemeClr>
+            </a:gs>
+          </a:gsLst>
+          <a:lin ang="5400000" scaled="0"/>
+        </a:gradFill>
+      </a:bgFillStyleLst>
+    </a:fmtScheme>
+  </a:themeElements>
+  <a:objectDefaults/>
+  <a:extraClrSchemeLst/>
+  <a:extLst>
+    <a:ext uri="{05A4C25C-085E-4340-85A3-A5531E510DB2}">
+      <thm15:themeFamily xmlns:thm15="http://schemas.microsoft.com/office/thememl/2012/main" name="Office Theme" id="{62F939B6-93AF-4DB8-9C6B-D6C7DFDC589F}" vid="{4A3C46E8-61CC-4603-A589-7422A47A8E4A}"/>
+    </a:ext>
+  </a:extLst>
+</a:theme>
 </file>